--- a/lectures/lecture-28/Lecture-Live A00/Lecture 28 - Lecture.pptx
+++ b/lectures/lecture-28/Lecture-Live A00/Lecture 28 - Lecture.pptx
@@ -139,6 +139,710 @@
     </p:ext>
   </p:extLst>
 </p:presentation>
+</file>
+
+<file path=ppt/ink/ink1.xml><?xml version="1.0" encoding="utf-8"?>
+<inkml:ink xmlns:inkml="http://www.w3.org/2003/InkML">
+  <inkml:definitions>
+    <inkml:context xml:id="ctx0">
+      <inkml:inkSource xml:id="inkSrc0">
+        <inkml:traceFormat>
+          <inkml:channel name="X" type="integer" min="-2.14748E9" max="2.14748E9" units="cm"/>
+          <inkml:channel name="Y" type="integer" min="-2.14748E9" max="2.14748E9" units="cm"/>
+          <inkml:channel name="F" type="integer" max="32767" units="dev"/>
+          <inkml:channel name="OA" type="integer" max="360" units="deg"/>
+          <inkml:channel name="OE" type="integer" max="90" units="deg"/>
+        </inkml:traceFormat>
+        <inkml:channelProperties>
+          <inkml:channelProperty channel="X" name="resolution" value="1000" units="1/cm"/>
+          <inkml:channelProperty channel="Y" name="resolution" value="1000" units="1/cm"/>
+          <inkml:channelProperty channel="F" name="resolution" value="0" units="1/dev"/>
+          <inkml:channelProperty channel="OA" name="resolution" value="1000" units="1/deg"/>
+          <inkml:channelProperty channel="OE" name="resolution" value="1000" units="1/deg"/>
+        </inkml:channelProperties>
+      </inkml:inkSource>
+      <inkml:timestamp xml:id="ts0" timeString="2021-06-04T15:01:00.244"/>
+    </inkml:context>
+    <inkml:brush xml:id="br0">
+      <inkml:brushProperty name="width" value="0.05" units="cm"/>
+      <inkml:brushProperty name="height" value="0.05" units="cm"/>
+      <inkml:brushProperty name="color" value="#FF0066"/>
+    </inkml:brush>
+  </inkml:definitions>
+  <inkml:trace contextRef="#ctx0" brushRef="#br0">8 21 6560 0 0,'-7'0'14151'0'0,"26"3"-13705"0"0,0-1 0 0 0,0 0 0 0 0,37-3-1 0 0,-17 0-196 0 0,23-4 119 0 0,-21 0-112 0 0,13 3-24 0 0,-26 1 16 0 0,41-6 0 0 0,-52 5-191 0 0,0 1 0 0 0,0 1 0 0 0,18 1-1 0 0,3 0 13 0 0,34 0 99 0 0,79-2 408 0 0,-79-1-64 0 0,129 12 0 0 0,-146-7-413 0 0,0-2-1 0 0,75-9 1 0 0,24 0 53 0 0,-138 8-136 0 0,1 0 0 0 0,-1 2 0 0 0,31 5 0 0 0,-27-3 4 0 0,0-1 0 0 0,37 2 0 0 0,-38-4-16 0 0,38 0 44 0 0,15 1 231 0 0,-47 0-130 0 0,77 5 423 0 0,-14 2-60 0 0,-53-9-325 0 0,73-3 474 0 0,-93 2-531 0 0,0 1 1 0 0,17 2-1 0 0,7 0 55 0 0,-29-3-102 0 0,-7 1-38 0 0,0 0 0 0 0,0 0 0 0 0,1 0 1 0 0,-1 0-1 0 0,0 1 0 0 0,1-1 0 0 0,-1 1 0 0 0,0 0 1 0 0,4 1-1 0 0,-5-1-45 0 0,14 6 22 0 0,-3 1-98 0 0,57 31-21 0 0,-65-36 97 0 0,1-2 0 0 0,22 6 128 0 0,23 5-128 0 0,-38-12-27 0 0,-1-1-1 0 0,14-1 0 0 0,-21-1 20 0 0,0 1-1 0 0,0-1 0 0 0,0 1 0 0 0,0-1 0 0 0,6-6 0 0 0,5-10-247 0 0,-15 18 173 0 0,-3-1-224 0 0</inkml:trace>
+</inkml:ink>
+</file>
+
+<file path=ppt/ink/ink10.xml><?xml version="1.0" encoding="utf-8"?>
+<inkml:ink xmlns:inkml="http://www.w3.org/2003/InkML">
+  <inkml:definitions>
+    <inkml:context xml:id="ctx0">
+      <inkml:inkSource xml:id="inkSrc0">
+        <inkml:traceFormat>
+          <inkml:channel name="X" type="integer" min="-2.14748E9" max="2.14748E9" units="cm"/>
+          <inkml:channel name="Y" type="integer" min="-2.14748E9" max="2.14748E9" units="cm"/>
+          <inkml:channel name="F" type="integer" max="32767" units="dev"/>
+          <inkml:channel name="OA" type="integer" max="360" units="deg"/>
+          <inkml:channel name="OE" type="integer" max="90" units="deg"/>
+        </inkml:traceFormat>
+        <inkml:channelProperties>
+          <inkml:channelProperty channel="X" name="resolution" value="1000" units="1/cm"/>
+          <inkml:channelProperty channel="Y" name="resolution" value="1000" units="1/cm"/>
+          <inkml:channelProperty channel="F" name="resolution" value="0" units="1/dev"/>
+          <inkml:channelProperty channel="OA" name="resolution" value="1000" units="1/deg"/>
+          <inkml:channelProperty channel="OE" name="resolution" value="1000" units="1/deg"/>
+        </inkml:channelProperties>
+      </inkml:inkSource>
+      <inkml:timestamp xml:id="ts0" timeString="2021-06-04T15:01:17.848"/>
+    </inkml:context>
+    <inkml:brush xml:id="br0">
+      <inkml:brushProperty name="width" value="0.05" units="cm"/>
+      <inkml:brushProperty name="height" value="0.05" units="cm"/>
+      <inkml:brushProperty name="color" value="#FF0066"/>
+    </inkml:brush>
+  </inkml:definitions>
+  <inkml:trace contextRef="#ctx0" brushRef="#br0">167 1 11976 0 0,'0'0'922'0'0,"0"15"-336"0"0,1-11-49 0 0,-1-1 0 0 0,0 0-1 0 0,1 1 1 0 0,0-1 0 0 0,0 0 0 0 0,0 0 0 0 0,0 0 0 0 0,0 0 0 0 0,1 0 0 0 0,1 3 0 0 0,-1-2-505 0 0,0-1 0 0 0,1 0-1 0 0,-1 0 1 0 0,0 0 0 0 0,1 0-1 0 0,0 0 1 0 0,0-1 0 0 0,0 1 0 0 0,0-1-1 0 0,0 0 1 0 0,0 0 0 0 0,1 0-1 0 0,5 2 1 0 0,-5-2-20 0 0,1-1-1 0 0,0 1 0 0 0,0-1 1 0 0,0 0-1 0 0,0-1 1 0 0,0 1-1 0 0,0-1 1 0 0,0 0-1 0 0,0 0 0 0 0,0 0 1 0 0,0-1-1 0 0,0 0 1 0 0,0 0-1 0 0,0 0 1 0 0,-1-1-1 0 0,1 0 1 0 0,0 1-1 0 0,4-4 0 0 0,-8 4 244 0 0,-4 2 30 0 0,0 1 0 0 0,1-1 0 0 0,-1 1 1 0 0,0 0-1 0 0,0-1 0 0 0,1 1 0 0 0,-1 0 0 0 0,-2 3 0 0 0,-1 0 164 0 0,-1 1-38 0 0,0 0 1 0 0,1 0 0 0 0,-8 11-1 0 0,-7 6 173 0 0,-101 110 1906 0 0,68-60-3612 0 0,9 5-6294 0 0,33-53-967 0 0</inkml:trace>
+</inkml:ink>
+</file>
+
+<file path=ppt/ink/ink11.xml><?xml version="1.0" encoding="utf-8"?>
+<inkml:ink xmlns:inkml="http://www.w3.org/2003/InkML">
+  <inkml:definitions>
+    <inkml:context xml:id="ctx0">
+      <inkml:inkSource xml:id="inkSrc0">
+        <inkml:traceFormat>
+          <inkml:channel name="X" type="integer" min="-2.14748E9" max="2.14748E9" units="cm"/>
+          <inkml:channel name="Y" type="integer" min="-2.14748E9" max="2.14748E9" units="cm"/>
+          <inkml:channel name="F" type="integer" max="32767" units="dev"/>
+          <inkml:channel name="OA" type="integer" max="360" units="deg"/>
+          <inkml:channel name="OE" type="integer" max="90" units="deg"/>
+        </inkml:traceFormat>
+        <inkml:channelProperties>
+          <inkml:channelProperty channel="X" name="resolution" value="1000" units="1/cm"/>
+          <inkml:channelProperty channel="Y" name="resolution" value="1000" units="1/cm"/>
+          <inkml:channelProperty channel="F" name="resolution" value="0" units="1/dev"/>
+          <inkml:channelProperty channel="OA" name="resolution" value="1000" units="1/deg"/>
+          <inkml:channelProperty channel="OE" name="resolution" value="1000" units="1/deg"/>
+        </inkml:channelProperties>
+      </inkml:inkSource>
+      <inkml:timestamp xml:id="ts0" timeString="2021-06-04T15:01:18.220"/>
+    </inkml:context>
+    <inkml:brush xml:id="br0">
+      <inkml:brushProperty name="width" value="0.05" units="cm"/>
+      <inkml:brushProperty name="height" value="0.05" units="cm"/>
+      <inkml:brushProperty name="color" value="#FF0066"/>
+    </inkml:brush>
+  </inkml:definitions>
+  <inkml:trace contextRef="#ctx0" brushRef="#br0">400 331 17503 0 0,'0'0'399'0'0,"-17"-8"1106"0"0,13 5-1223 0 0,0 0-1 0 0,-1 0 1 0 0,1 1-1 0 0,-1-1 0 0 0,1 1 1 0 0,-1 0-1 0 0,0 0 0 0 0,0 1 1 0 0,0-1-1 0 0,0 1 1 0 0,0 0-1 0 0,0 1 0 0 0,0-1 1 0 0,0 1-1 0 0,-1 0 0 0 0,1 0 1 0 0,0 1-1 0 0,-9 1 0 0 0,6 0-93 0 0,1 0 0 0 0,-1 1 0 0 0,1 0 0 0 0,0 0 0 0 0,-1 1-1 0 0,1-1 1 0 0,1 2 0 0 0,-1-1 0 0 0,1 1 0 0 0,0 0-1 0 0,-10 10 1 0 0,14-13-145 0 0,0 1 1 0 0,0 0-1 0 0,0-1 0 0 0,0 1 0 0 0,0 0 0 0 0,1 0 1 0 0,-1 0-1 0 0,1 0 0 0 0,-2 7 0 0 0,3-10-39 0 0,0 1 0 0 0,0 0-1 0 0,-1 0 1 0 0,1-1 0 0 0,0 1 0 0 0,0 0-1 0 0,0 0 1 0 0,1-1 0 0 0,-1 1 0 0 0,0 0-1 0 0,0 0 1 0 0,0 0 0 0 0,0-1 0 0 0,1 1-1 0 0,-1 0 1 0 0,0-1 0 0 0,1 1 0 0 0,-1 0-1 0 0,1-1 1 0 0,-1 1 0 0 0,0 0 0 0 0,1-1-1 0 0,0 1 1 0 0,-1-1 0 0 0,1 1 0 0 0,-1-1-1 0 0,1 1 1 0 0,0-1 0 0 0,-1 1-1 0 0,1-1 1 0 0,0 0 0 0 0,-1 1 0 0 0,1-1-1 0 0,0 0 1 0 0,0 1 0 0 0,-1-1 0 0 0,1 0-1 0 0,0 0 1 0 0,0 0 0 0 0,-1 0 0 0 0,1 0-1 0 0,0 0 1 0 0,0 0 0 0 0,0 0 0 0 0,-1 0-1 0 0,2 0 1 0 0,4-1-4 0 0,0 1 0 0 0,-1-1 0 0 0,1 0 0 0 0,0-1 0 0 0,-1 1 0 0 0,9-5 0 0 0,35-17 0 0 0,-25 11 0 0 0,-2 1 0 0 0,37-25 0 0 0,-51 30 0 0 0,-1 1 0 0 0,0-1 0 0 0,0 0 0 0 0,0-1 0 0 0,-1 0 0 0 0,0 0 0 0 0,-1 0 0 0 0,7-10 0 0 0,-10 11 57 0 0,1 1 0 0 0,-1-1 0 0 0,-1 1 0 0 0,1-1 0 0 0,-1 0-1 0 0,1 0 1 0 0,-2 0 0 0 0,1 0 0 0 0,-1 0 0 0 0,0 0 0 0 0,0 0 0 0 0,0 0 0 0 0,-1 1 0 0 0,0-1-1 0 0,0 0 1 0 0,-1 0 0 0 0,-2-6 0 0 0,0 1 71 0 0,0 0 0 0 0,-2 0 0 0 0,1 1 0 0 0,-1 0 0 0 0,-1 0 0 0 0,0 0 0 0 0,-13-14 0 0 0,15 20-128 0 0,1 0 0 0 0,-1 0 0 0 0,0 0 0 0 0,0 1 0 0 0,0 0 0 0 0,-1 0 0 0 0,1 1 0 0 0,-1-1 0 0 0,1 1 0 0 0,-1 0 0 0 0,0 0 0 0 0,0 1 0 0 0,0 0 0 0 0,-11-1 0 0 0,7 2 0 0 0,1-1 0 0 0,-1 2 0 0 0,0-1 0 0 0,1 2 0 0 0,-1-1 0 0 0,1 1 0 0 0,0 0 0 0 0,-16 7 0 0 0,16-5 0 0 0,0 1 0 0 0,0 0 0 0 0,0 1 0 0 0,1 0 0 0 0,0 0 0 0 0,0 1 0 0 0,0 0 0 0 0,1 0 0 0 0,0 0 0 0 0,-9 14 0 0 0,-1 6 0 0 0,0 0 0 0 0,-12 30 0 0 0,20-36 0 0 0,0 0 0 0 0,2 1 0 0 0,0 0 0 0 0,1 0 0 0 0,2 0 0 0 0,0 1 0 0 0,1-1 0 0 0,2 1 0 0 0,0 0 0 0 0,1 0 0 0 0,7 40 0 0 0,-6-53 9 0 0,1 0 0 0 0,1 0 0 0 0,0 0 0 0 0,1-1 1 0 0,0 1-1 0 0,0-1 0 0 0,6 10 0 0 0,-7-14-62 0 0,0-1 0 0 0,0 0 0 0 0,1-1 0 0 0,-1 1 0 0 0,1-1-1 0 0,0 1 1 0 0,-1-1 0 0 0,2 0 0 0 0,-1 0 0 0 0,0-1 0 0 0,0 1 0 0 0,1-1 0 0 0,0 0 0 0 0,-1 0 0 0 0,1 0 0 0 0,8 1 0 0 0,-1-1-856 0 0,1 0 0 0 0,17 0 0 0 0,8-4-5833 0 0,0-2-1607 0 0</inkml:trace>
+</inkml:ink>
+</file>
+
+<file path=ppt/ink/ink12.xml><?xml version="1.0" encoding="utf-8"?>
+<inkml:ink xmlns:inkml="http://www.w3.org/2003/InkML">
+  <inkml:definitions>
+    <inkml:context xml:id="ctx0">
+      <inkml:inkSource xml:id="inkSrc0">
+        <inkml:traceFormat>
+          <inkml:channel name="X" type="integer" min="-2.14748E9" max="2.14748E9" units="cm"/>
+          <inkml:channel name="Y" type="integer" min="-2.14748E9" max="2.14748E9" units="cm"/>
+          <inkml:channel name="F" type="integer" max="32767" units="dev"/>
+          <inkml:channel name="OA" type="integer" max="360" units="deg"/>
+          <inkml:channel name="OE" type="integer" max="90" units="deg"/>
+        </inkml:traceFormat>
+        <inkml:channelProperties>
+          <inkml:channelProperty channel="X" name="resolution" value="1000" units="1/cm"/>
+          <inkml:channelProperty channel="Y" name="resolution" value="1000" units="1/cm"/>
+          <inkml:channelProperty channel="F" name="resolution" value="0" units="1/dev"/>
+          <inkml:channelProperty channel="OA" name="resolution" value="1000" units="1/deg"/>
+          <inkml:channelProperty channel="OE" name="resolution" value="1000" units="1/deg"/>
+        </inkml:channelProperties>
+      </inkml:inkSource>
+      <inkml:timestamp xml:id="ts0" timeString="2021-06-04T15:01:18.651"/>
+    </inkml:context>
+    <inkml:brush xml:id="br0">
+      <inkml:brushProperty name="width" value="0.05" units="cm"/>
+      <inkml:brushProperty name="height" value="0.05" units="cm"/>
+      <inkml:brushProperty name="color" value="#FF0066"/>
+    </inkml:brush>
+  </inkml:definitions>
+  <inkml:trace contextRef="#ctx0" brushRef="#br0">194 168 11688 0 0,'2'-3'323'0'0,"2"-5"-90"0"0,1 0 1 0 0,1 0-1 0 0,0 0 1 0 0,8-8-1 0 0,-7 7-52 0 0,1 0-1 0 0,6-11 0 0 0,2-2-11 0 0,9-19 1764 0 0,-25 40-1862 0 0,0 1 1 0 0,0 0-1 0 0,0-1 0 0 0,0 1 1 0 0,1 0-1 0 0,-1-1 0 0 0,0 1 1 0 0,0-1-1 0 0,0 1 1 0 0,0 0-1 0 0,0-1 0 0 0,0 1 1 0 0,0 0-1 0 0,0-1 0 0 0,0 1 1 0 0,0 0-1 0 0,0-1 0 0 0,0 1 1 0 0,-1-1-1 0 0,1 1 1 0 0,0 0-1 0 0,0-1 0 0 0,0 1 1 0 0,0 0-1 0 0,-1-1 0 0 0,1 1 1 0 0,0 0-1 0 0,0 0 1 0 0,0-1-1 0 0,-1 1 0 0 0,1 0 1 0 0,0 0-1 0 0,-1-1 0 0 0,1 1 1 0 0,0 0-1 0 0,-1 0 1 0 0,1 0-1 0 0,0-1 0 0 0,-1 1 1 0 0,1 0-1 0 0,0 0 0 0 0,-1 0 1 0 0,1 0-1 0 0,0 0 0 0 0,-1 0 1 0 0,0 0-1 0 0,-17-3 2071 0 0,6 5-1799 0 0,1 1 1 0 0,-1-1 0 0 0,0 2 0 0 0,1 0-1 0 0,0 0 1 0 0,0 1 0 0 0,0 0 0 0 0,1 1-1 0 0,-1 0 1 0 0,2 1 0 0 0,-16 12-1 0 0,9-5-162 0 0,1 0-1 0 0,1 1 0 0 0,0 1 0 0 0,1 0 0 0 0,-21 35 0 0 0,31-45-176 0 0,-1 1 1 0 0,1 0-1 0 0,1 0 0 0 0,-1 0 1 0 0,1 0-1 0 0,0 1 0 0 0,-1 13 1 0 0,3-19-5 0 0,-1 1 1 0 0,1-1 0 0 0,0 0-1 0 0,0 1 1 0 0,0-1 0 0 0,1 1-1 0 0,-1-1 1 0 0,0 0 0 0 0,1 1-1 0 0,-1-1 1 0 0,1 0 0 0 0,0 0-1 0 0,0 1 1 0 0,0-1 0 0 0,0 0-1 0 0,0 0 1 0 0,1 0 0 0 0,-1 0-1 0 0,1 0 1 0 0,-1 0 0 0 0,1-1-1 0 0,-1 1 1 0 0,1 0-1 0 0,0-1 1 0 0,0 1 0 0 0,0-1-1 0 0,4 2 1 0 0,-5-2 6 0 0,1-1 0 0 0,0 1 0 0 0,0-1 0 0 0,0 0-1 0 0,0 1 1 0 0,0-1 0 0 0,0 0 0 0 0,0 0 0 0 0,0 0 0 0 0,0-1 0 0 0,0 1-1 0 0,0 0 1 0 0,0-1 0 0 0,0 1 0 0 0,0-1 0 0 0,-1 0 0 0 0,1 0-1 0 0,0 1 1 0 0,0-1 0 0 0,2-2 0 0 0,4-3 44 0 0,-1 0 1 0 0,1 0-1 0 0,6-7 1 0 0,-9 8-34 0 0,6-8 43 0 0,-1 0 0 0 0,0 0-1 0 0,0-1 1 0 0,-2 0 0 0 0,11-23-1 0 0,14-24 503 0 0,-29 56-441 0 0,0-2 342 0 0,1 1 0 0 0,0-1 0 0 0,5-5 0 0 0,-9 12-414 0 0,0 1-1 0 0,0 0 1 0 0,-1-1-1 0 0,1 1 1 0 0,0 0-1 0 0,-1-1 0 0 0,1 1 1 0 0,0 0-1 0 0,-1 0 1 0 0,1 0-1 0 0,-1 0 1 0 0,0 0-1 0 0,1 1 0 0 0,2 7 19 0 0,-2 0 0 0 0,1 0-1 0 0,-1 0 1 0 0,0-1 0 0 0,-1 18-1 0 0,-8 46 109 0 0,5-49-107 0 0,0 2-158 0 0,-11 115 485 0 0,14-123-701 0 0,0 1 0 0 0,1-1 0 0 0,1 1-1 0 0,0-1 1 0 0,10 33 0 0 0,-11-47 24 0 0,0 0-1 0 0,0-1 1 0 0,0 1 0 0 0,0 0-1 0 0,0-1 1 0 0,0 1 0 0 0,1-1-1 0 0,-1 1 1 0 0,1-1 0 0 0,0 0 0 0 0,0 0-1 0 0,0 0 1 0 0,0 0 0 0 0,0 0-1 0 0,0 0 1 0 0,0 0 0 0 0,3 1-1 0 0,7 0-1434 0 0</inkml:trace>
+</inkml:ink>
+</file>
+
+<file path=ppt/ink/ink13.xml><?xml version="1.0" encoding="utf-8"?>
+<inkml:ink xmlns:inkml="http://www.w3.org/2003/InkML">
+  <inkml:definitions>
+    <inkml:context xml:id="ctx0">
+      <inkml:inkSource xml:id="inkSrc0">
+        <inkml:traceFormat>
+          <inkml:channel name="X" type="integer" min="-2.14748E9" max="2.14748E9" units="cm"/>
+          <inkml:channel name="Y" type="integer" min="-2.14748E9" max="2.14748E9" units="cm"/>
+          <inkml:channel name="F" type="integer" max="32767" units="dev"/>
+          <inkml:channel name="OA" type="integer" max="360" units="deg"/>
+          <inkml:channel name="OE" type="integer" max="90" units="deg"/>
+        </inkml:traceFormat>
+        <inkml:channelProperties>
+          <inkml:channelProperty channel="X" name="resolution" value="1000" units="1/cm"/>
+          <inkml:channelProperty channel="Y" name="resolution" value="1000" units="1/cm"/>
+          <inkml:channelProperty channel="F" name="resolution" value="0" units="1/dev"/>
+          <inkml:channelProperty channel="OA" name="resolution" value="1000" units="1/deg"/>
+          <inkml:channelProperty channel="OE" name="resolution" value="1000" units="1/deg"/>
+        </inkml:channelProperties>
+      </inkml:inkSource>
+      <inkml:timestamp xml:id="ts0" timeString="2021-06-04T15:01:19.038"/>
+    </inkml:context>
+    <inkml:brush xml:id="br0">
+      <inkml:brushProperty name="width" value="0.05" units="cm"/>
+      <inkml:brushProperty name="height" value="0.05" units="cm"/>
+      <inkml:brushProperty name="color" value="#FF0066"/>
+    </inkml:brush>
+  </inkml:definitions>
+  <inkml:trace contextRef="#ctx0" brushRef="#br0">94 192 6912 0 0,'-8'5'736'0'0,"4"0"20"0"0,0 0 0 0 0,0 1 0 0 0,0-1 0 0 0,1 1 0 0 0,0-1 0 0 0,0 1 0 0 0,-4 12 0 0 0,-12 49 8293 0 0,13-40-7635 0 0,-2 10-866 0 0,-4 38 0 0 0,4 58-1548 0 0,8-124 1473 0 0,1-15 52 0 0,1-7-355 0 0,17-125 1357 0 0,-15 94-839 0 0,2 1-1 0 0,16-62 0 0 0,-20 100-670 0 0,36-105 753 0 0,-32 97-507 0 0,0 1 1 0 0,1 0 0 0 0,0 0-1 0 0,0 1 1 0 0,1 0 0 0 0,15-16-1 0 0,-19 23-257 0 0,1 0-1 0 0,0 0 1 0 0,0 0 0 0 0,0 1-1 0 0,0 0 1 0 0,1 0-1 0 0,-1 0 1 0 0,1 1-1 0 0,10-4 1 0 0,-14 6-6 0 0,0-1 1 0 0,0 1 0 0 0,-1-1 0 0 0,1 1 0 0 0,0 0-1 0 0,0 0 1 0 0,0 0 0 0 0,0 0 0 0 0,0 0-1 0 0,-1 0 1 0 0,1 0 0 0 0,0 1 0 0 0,0-1-1 0 0,0 1 1 0 0,0-1 0 0 0,-1 1 0 0 0,1 0-1 0 0,0-1 1 0 0,-1 1 0 0 0,1 0 0 0 0,-1 0-1 0 0,1 0 1 0 0,-1 1 0 0 0,1-1 0 0 0,-1 0-1 0 0,0 0 1 0 0,1 1 0 0 0,-1-1 0 0 0,0 1-1 0 0,0-1 1 0 0,0 1 0 0 0,0 0 0 0 0,0-1 0 0 0,-1 1-1 0 0,2 2 1 0 0,-1 1-1 0 0,0 0 0 0 0,0-1 0 0 0,0 1 0 0 0,-1 0 0 0 0,0 0 0 0 0,0 0 0 0 0,0 0 0 0 0,-1 0 0 0 0,1 0 0 0 0,-1-1 0 0 0,0 1 0 0 0,-2 5 0 0 0,-1 0 0 0 0,1 0 0 0 0,-2 0 0 0 0,1 0 0 0 0,-9 12 0 0 0,6-11-692 0 0,-1 1 0 0 0,-19 18-1 0 0,23-26 399 0 0,0 0-1 0 0,0 0 1 0 0,0-1-1 0 0,-1 0 0 0 0,1 0 1 0 0,-1 0-1 0 0,0-1 1 0 0,1 1-1 0 0,-1-1 0 0 0,-6 2 1 0 0</inkml:trace>
+</inkml:ink>
+</file>
+
+<file path=ppt/ink/ink14.xml><?xml version="1.0" encoding="utf-8"?>
+<inkml:ink xmlns:inkml="http://www.w3.org/2003/InkML">
+  <inkml:definitions>
+    <inkml:context xml:id="ctx0">
+      <inkml:inkSource xml:id="inkSrc0">
+        <inkml:traceFormat>
+          <inkml:channel name="X" type="integer" min="-2.14748E9" max="2.14748E9" units="cm"/>
+          <inkml:channel name="Y" type="integer" min="-2.14748E9" max="2.14748E9" units="cm"/>
+          <inkml:channel name="F" type="integer" max="32767" units="dev"/>
+          <inkml:channel name="OA" type="integer" max="360" units="deg"/>
+          <inkml:channel name="OE" type="integer" max="90" units="deg"/>
+        </inkml:traceFormat>
+        <inkml:channelProperties>
+          <inkml:channelProperty channel="X" name="resolution" value="1000" units="1/cm"/>
+          <inkml:channelProperty channel="Y" name="resolution" value="1000" units="1/cm"/>
+          <inkml:channelProperty channel="F" name="resolution" value="0" units="1/dev"/>
+          <inkml:channelProperty channel="OA" name="resolution" value="1000" units="1/deg"/>
+          <inkml:channelProperty channel="OE" name="resolution" value="1000" units="1/deg"/>
+        </inkml:channelProperties>
+      </inkml:inkSource>
+      <inkml:timestamp xml:id="ts0" timeString="2021-06-04T15:01:19.473"/>
+    </inkml:context>
+    <inkml:brush xml:id="br0">
+      <inkml:brushProperty name="width" value="0.05" units="cm"/>
+      <inkml:brushProperty name="height" value="0.05" units="cm"/>
+      <inkml:brushProperty name="color" value="#FF0066"/>
+    </inkml:brush>
+  </inkml:definitions>
+  <inkml:trace contextRef="#ctx0" brushRef="#br0">0 273 17503 0 0,'0'0'2783'0'0,"3"-20"1085"0"0,105-180 2057 0 0,-102 190-5517 0 0,0 0 0 0 0,1 0 0 0 0,12-12 0 0 0,-18 22-408 0 0,-1-1 0 0 0,0 1 0 0 0,0 0 0 0 0,0 0 0 0 0,0 0 0 0 0,0 0 0 0 0,1 0 0 0 0,-1 0 0 0 0,0 0 0 0 0,0 0 0 0 0,0 0 0 0 0,0 0 0 0 0,0 0 0 0 0,1 0 0 0 0,-1 0 0 0 0,0 0 0 0 0,0 1 0 0 0,0-1 0 0 0,0 0 0 0 0,0 0 0 0 0,1 0 0 0 0,-1 0 0 0 0,0 0 0 0 0,0 0 0 0 0,0 0 0 0 0,0 0 0 0 0,0 0 0 0 0,0 1 0 0 0,0-1 0 0 0,1 0 0 0 0,-1 0 0 0 0,0 0 0 0 0,0 0 0 0 0,0 0 0 0 0,0 0 0 0 0,0 1 0 0 0,0-1 0 0 0,0 0 0 0 0,0 0 0 0 0,0 0 0 0 0,0 0 0 0 0,0 0 0 0 0,0 1 0 0 0,0-1 0 0 0,0 0 0 0 0,0 0 0 0 0,0 0 0 0 0,0 0 0 0 0,0 0 0 0 0,0 1 0 0 0,0-1 0 0 0,0 0 0 0 0,2 12 0 0 0,-2-10 0 0 0,4 47 0 0 0,-4-31 0 0 0,2 1 0 0 0,5 24 0 0 0,-6-37 0 0 0,0-3 0 0 0,-1 1 0 0 0,1-1 0 0 0,0 0 0 0 0,0 0 0 0 0,1 0 0 0 0,2 5 0 0 0,-3-7 0 0 0,-1 0 0 0 0,1-1 0 0 0,-1 1 0 0 0,1-1 0 0 0,0 1 0 0 0,-1-1 0 0 0,1 1 0 0 0,0-1 0 0 0,-1 1 0 0 0,1-1 0 0 0,0 0 0 0 0,0 1 0 0 0,-1-1 0 0 0,1 0 0 0 0,0 1 0 0 0,0-1 0 0 0,0 0 0 0 0,-1 0 0 0 0,1 0 0 0 0,0 0 0 0 0,0 0 0 0 0,0 0 0 0 0,-1 0 0 0 0,1 0 0 0 0,0 0 0 0 0,0-1 0 0 0,0 1 0 0 0,-1 0 0 0 0,1 0 0 0 0,0-1 0 0 0,0 1 0 0 0,-1 0 0 0 0,1-1 0 0 0,0 1 0 0 0,0-1 0 0 0,6-4 0 0 0,0 0 0 0 0,0-1 0 0 0,0 1 0 0 0,-1-1 0 0 0,0-1 0 0 0,7-8 0 0 0,-5 5 0 0 0,0 1 0 0 0,15-13 0 0 0,-21 20 0 0 0,1 0 0 0 0,-1 1 0 0 0,1-1 0 0 0,0 0 0 0 0,-1 1 0 0 0,1-1 0 0 0,0 1 0 0 0,0 0 0 0 0,0 0 0 0 0,0 0 0 0 0,0 0 0 0 0,5 0 0 0 0,-6 1 0 0 0,-1 1 0 0 0,1-1 0 0 0,-1 0 0 0 0,1 1 0 0 0,-1-1 0 0 0,0 1 0 0 0,1-1 0 0 0,-1 1 0 0 0,1 0 0 0 0,-1 0 0 0 0,0-1 0 0 0,0 1 0 0 0,1 0 0 0 0,-1 0 0 0 0,0 0 0 0 0,0 0 0 0 0,0 1 0 0 0,0-1 0 0 0,0 0 0 0 0,0 0 0 0 0,-1 1 0 0 0,1-1 0 0 0,0 0 0 0 0,-1 1 0 0 0,1-1 0 0 0,-1 0 0 0 0,1 4 0 0 0,6 15-3101 0 0,6 43 1 0 0,-9-39-497 0 0,1 1-5836 0 0</inkml:trace>
+</inkml:ink>
+</file>
+
+<file path=ppt/ink/ink15.xml><?xml version="1.0" encoding="utf-8"?>
+<inkml:ink xmlns:inkml="http://www.w3.org/2003/InkML">
+  <inkml:definitions>
+    <inkml:context xml:id="ctx0">
+      <inkml:inkSource xml:id="inkSrc0">
+        <inkml:traceFormat>
+          <inkml:channel name="X" type="integer" min="-2.14748E9" max="2.14748E9" units="cm"/>
+          <inkml:channel name="Y" type="integer" min="-2.14748E9" max="2.14748E9" units="cm"/>
+          <inkml:channel name="F" type="integer" max="32767" units="dev"/>
+          <inkml:channel name="OA" type="integer" max="360" units="deg"/>
+          <inkml:channel name="OE" type="integer" max="90" units="deg"/>
+        </inkml:traceFormat>
+        <inkml:channelProperties>
+          <inkml:channelProperty channel="X" name="resolution" value="1000" units="1/cm"/>
+          <inkml:channelProperty channel="Y" name="resolution" value="1000" units="1/cm"/>
+          <inkml:channelProperty channel="F" name="resolution" value="0" units="1/dev"/>
+          <inkml:channelProperty channel="OA" name="resolution" value="1000" units="1/deg"/>
+          <inkml:channelProperty channel="OE" name="resolution" value="1000" units="1/deg"/>
+        </inkml:channelProperties>
+      </inkml:inkSource>
+      <inkml:timestamp xml:id="ts0" timeString="2021-06-04T15:01:12.397"/>
+    </inkml:context>
+    <inkml:brush xml:id="br0">
+      <inkml:brushProperty name="width" value="0.05" units="cm"/>
+      <inkml:brushProperty name="height" value="0.05" units="cm"/>
+      <inkml:brushProperty name="color" value="#FF0066"/>
+    </inkml:brush>
+  </inkml:definitions>
+  <inkml:trace contextRef="#ctx0" brushRef="#br0">1 31 6704 0 0,'0'0'21023'0'0,"7"6"-21015"0"0,13 2 1805 0 0,-19-7-1903 0 0,18-1 372 0 0,84-2 862 0 0,-42-6-920 0 0,140 18 35 0 0,-158-8-166 0 0,49 8-1 0 0,-48-4-159 0 0,49 1 0 0 0,158-11-96 0 0,-139-3 216 0 0,-55 3 13 0 0,49-8 108 0 0,-1-1-304 0 0,-45 10 188 0 0,67 6 1 0 0,66 2-59 0 0,-163-4 0 0 0,41-4 0 0 0,-33 0 0 0 0,110-10 117 0 0,50-2 62 0 0,-71 21-107 0 0,-70-2-12 0 0,63-4 0 0 0,-75 1 37 0 0,-5 1 45 0 0,-7-5-80 0 0,-26 1 6 0 0,0-3 2 0 0,-1 1-34 0 0,-5 3-128 0 0</inkml:trace>
+</inkml:ink>
+</file>
+
+<file path=ppt/ink/ink16.xml><?xml version="1.0" encoding="utf-8"?>
+<inkml:ink xmlns:inkml="http://www.w3.org/2003/InkML">
+  <inkml:definitions>
+    <inkml:context xml:id="ctx0">
+      <inkml:inkSource xml:id="inkSrc0">
+        <inkml:traceFormat>
+          <inkml:channel name="X" type="integer" min="-2.14748E9" max="2.14748E9" units="cm"/>
+          <inkml:channel name="Y" type="integer" min="-2.14748E9" max="2.14748E9" units="cm"/>
+          <inkml:channel name="F" type="integer" max="32767" units="dev"/>
+          <inkml:channel name="OA" type="integer" max="360" units="deg"/>
+          <inkml:channel name="OE" type="integer" max="90" units="deg"/>
+        </inkml:traceFormat>
+        <inkml:channelProperties>
+          <inkml:channelProperty channel="X" name="resolution" value="1000" units="1/cm"/>
+          <inkml:channelProperty channel="Y" name="resolution" value="1000" units="1/cm"/>
+          <inkml:channelProperty channel="F" name="resolution" value="0" units="1/dev"/>
+          <inkml:channelProperty channel="OA" name="resolution" value="1000" units="1/deg"/>
+          <inkml:channelProperty channel="OE" name="resolution" value="1000" units="1/deg"/>
+        </inkml:channelProperties>
+      </inkml:inkSource>
+      <inkml:timestamp xml:id="ts0" timeString="2021-06-04T15:01:12.931"/>
+    </inkml:context>
+    <inkml:brush xml:id="br0">
+      <inkml:brushProperty name="width" value="0.05" units="cm"/>
+      <inkml:brushProperty name="height" value="0.05" units="cm"/>
+      <inkml:brushProperty name="color" value="#FF0066"/>
+    </inkml:brush>
+  </inkml:definitions>
+  <inkml:trace contextRef="#ctx0" brushRef="#br0">135 1 5528 0 0,'0'0'19710'0'0,"-5"5"-19185"0"0,1 1-414 0 0,1 0 0 0 0,0 0 0 0 0,0 0 0 0 0,0 0 0 0 0,1 1-1 0 0,0 0 1 0 0,0-1 0 0 0,1 1 0 0 0,-2 11 0 0 0,-2 12 218 0 0,-15 80 682 0 0,-2 10-336 0 0,8-32-411 0 0,-1 4-94 0 0,-7 31-156 0 0,17-87-2222 0 0,5-34 1167 0 0</inkml:trace>
+</inkml:ink>
+</file>
+
+<file path=ppt/ink/ink17.xml><?xml version="1.0" encoding="utf-8"?>
+<inkml:ink xmlns:inkml="http://www.w3.org/2003/InkML">
+  <inkml:definitions>
+    <inkml:context xml:id="ctx0">
+      <inkml:inkSource xml:id="inkSrc0">
+        <inkml:traceFormat>
+          <inkml:channel name="X" type="integer" min="-2.14748E9" max="2.14748E9" units="cm"/>
+          <inkml:channel name="Y" type="integer" min="-2.14748E9" max="2.14748E9" units="cm"/>
+          <inkml:channel name="F" type="integer" max="32767" units="dev"/>
+          <inkml:channel name="OA" type="integer" max="360" units="deg"/>
+          <inkml:channel name="OE" type="integer" max="90" units="deg"/>
+        </inkml:traceFormat>
+        <inkml:channelProperties>
+          <inkml:channelProperty channel="X" name="resolution" value="1000" units="1/cm"/>
+          <inkml:channelProperty channel="Y" name="resolution" value="1000" units="1/cm"/>
+          <inkml:channelProperty channel="F" name="resolution" value="0" units="1/dev"/>
+          <inkml:channelProperty channel="OA" name="resolution" value="1000" units="1/deg"/>
+          <inkml:channelProperty channel="OE" name="resolution" value="1000" units="1/deg"/>
+        </inkml:channelProperties>
+      </inkml:inkSource>
+      <inkml:timestamp xml:id="ts0" timeString="2021-06-04T15:01:13.348"/>
+    </inkml:context>
+    <inkml:brush xml:id="br0">
+      <inkml:brushProperty name="width" value="0.05" units="cm"/>
+      <inkml:brushProperty name="height" value="0.05" units="cm"/>
+      <inkml:brushProperty name="color" value="#FF0066"/>
+    </inkml:brush>
+  </inkml:definitions>
+  <inkml:trace contextRef="#ctx0" brushRef="#br0">0 184 3224 0 0,'0'0'13173'0'0,"3"-20"-9371"0"0,3 10-2405 0 0,1 1-1 0 0,13-15 1 0 0,-13 16-787 0 0,55-56 1945 0 0,-59 60-2468 0 0,0 1 0 0 0,1-1 1 0 0,0 1-1 0 0,0 0 0 0 0,0 0 0 0 0,0 1 1 0 0,0-1-1 0 0,1 1 0 0 0,-1 0 0 0 0,6-2 1 0 0,3 0 268 0 0,0 0 0 0 0,19-3 0 0 0,-28 7-351 0 0,-1 0-1 0 0,1-1 1 0 0,-1 1 0 0 0,1 1 0 0 0,-1-1 0 0 0,1 1-1 0 0,-1-1 1 0 0,1 1 0 0 0,-1 0 0 0 0,1 0 0 0 0,-1 0-1 0 0,0 1 1 0 0,1-1 0 0 0,-1 1 0 0 0,0 0 0 0 0,0 0-1 0 0,0 0 1 0 0,-1 0 0 0 0,6 5 0 0 0,-3-2-5 0 0,0 1 1 0 0,0 0 0 0 0,0 0-1 0 0,-1 1 1 0 0,0-1-1 0 0,0 1 1 0 0,-1 0 0 0 0,3 8-1 0 0,28 65 132 0 0,-33-79-186 0 0,-1 0-1 0 0,1 1 1 0 0,-1-1-1 0 0,1 0 1 0 0,0 0-1 0 0,-1 0 1 0 0,1 0 0 0 0,0 0-1 0 0,0 0 1 0 0,0 0-1 0 0,0 0 1 0 0,0 0-1 0 0,0-1 1 0 0,0 1 0 0 0,0 0-1 0 0,0 0 1 0 0,0-1-1 0 0,0 1 1 0 0,1-1-1 0 0,-1 1 1 0 0,0-1 0 0 0,0 0-1 0 0,3 1 1 0 0,-2-1-335 0 0,1 0 1 0 0,-1 0-1 0 0,1-1 0 0 0,0 1 1 0 0,-1-1-1 0 0,1 0 1 0 0,4-1-1 0 0,-7 2 360 0 0,12-5-1671 0 0</inkml:trace>
+</inkml:ink>
+</file>
+
+<file path=ppt/ink/ink18.xml><?xml version="1.0" encoding="utf-8"?>
+<inkml:ink xmlns:inkml="http://www.w3.org/2003/InkML">
+  <inkml:definitions>
+    <inkml:context xml:id="ctx0">
+      <inkml:inkSource xml:id="inkSrc0">
+        <inkml:traceFormat>
+          <inkml:channel name="X" type="integer" min="-2.14748E9" max="2.14748E9" units="cm"/>
+          <inkml:channel name="Y" type="integer" min="-2.14748E9" max="2.14748E9" units="cm"/>
+          <inkml:channel name="F" type="integer" max="32767" units="dev"/>
+          <inkml:channel name="OA" type="integer" max="360" units="deg"/>
+          <inkml:channel name="OE" type="integer" max="90" units="deg"/>
+        </inkml:traceFormat>
+        <inkml:channelProperties>
+          <inkml:channelProperty channel="X" name="resolution" value="1000" units="1/cm"/>
+          <inkml:channelProperty channel="Y" name="resolution" value="1000" units="1/cm"/>
+          <inkml:channelProperty channel="F" name="resolution" value="0" units="1/dev"/>
+          <inkml:channelProperty channel="OA" name="resolution" value="1000" units="1/deg"/>
+          <inkml:channelProperty channel="OE" name="resolution" value="1000" units="1/deg"/>
+        </inkml:channelProperties>
+      </inkml:inkSource>
+      <inkml:timestamp xml:id="ts0" timeString="2021-06-04T15:01:23.867"/>
+    </inkml:context>
+    <inkml:brush xml:id="br0">
+      <inkml:brushProperty name="width" value="0.05" units="cm"/>
+      <inkml:brushProperty name="height" value="0.05" units="cm"/>
+      <inkml:brushProperty name="color" value="#FF0066"/>
+    </inkml:brush>
+  </inkml:definitions>
+  <inkml:trace contextRef="#ctx0" brushRef="#br0">126 1 7832 0 0,'0'0'11726'0'0,"0"1"-10338"0"0,-16 51 1215 0 0,11-36-1930 0 0,-7 29 0 0 0,-25 135-212 0 0,-8 49-178 0 0,45-227-284 0 0,-5 33-741 0 0,-1 43 0 0 0</inkml:trace>
+</inkml:ink>
+</file>
+
+<file path=ppt/ink/ink19.xml><?xml version="1.0" encoding="utf-8"?>
+<inkml:ink xmlns:inkml="http://www.w3.org/2003/InkML">
+  <inkml:definitions>
+    <inkml:context xml:id="ctx0">
+      <inkml:inkSource xml:id="inkSrc0">
+        <inkml:traceFormat>
+          <inkml:channel name="X" type="integer" min="-2.14748E9" max="2.14748E9" units="cm"/>
+          <inkml:channel name="Y" type="integer" min="-2.14748E9" max="2.14748E9" units="cm"/>
+          <inkml:channel name="F" type="integer" max="32767" units="dev"/>
+          <inkml:channel name="OA" type="integer" max="360" units="deg"/>
+          <inkml:channel name="OE" type="integer" max="90" units="deg"/>
+        </inkml:traceFormat>
+        <inkml:channelProperties>
+          <inkml:channelProperty channel="X" name="resolution" value="1000" units="1/cm"/>
+          <inkml:channelProperty channel="Y" name="resolution" value="1000" units="1/cm"/>
+          <inkml:channelProperty channel="F" name="resolution" value="0" units="1/dev"/>
+          <inkml:channelProperty channel="OA" name="resolution" value="1000" units="1/deg"/>
+          <inkml:channelProperty channel="OE" name="resolution" value="1000" units="1/deg"/>
+        </inkml:channelProperties>
+      </inkml:inkSource>
+      <inkml:timestamp xml:id="ts0" timeString="2021-06-04T15:01:24.242"/>
+    </inkml:context>
+    <inkml:brush xml:id="br0">
+      <inkml:brushProperty name="width" value="0.05" units="cm"/>
+      <inkml:brushProperty name="height" value="0.05" units="cm"/>
+      <inkml:brushProperty name="color" value="#FF0066"/>
+    </inkml:brush>
+  </inkml:definitions>
+  <inkml:trace contextRef="#ctx0" brushRef="#br0">18 126 4608 0 0,'-17'-8'19698'0'0,"17"6"-19563"0"0,0 1-1 0 0,0-1 1 0 0,1 1-1 0 0,-1-1 1 0 0,1 0-1 0 0,-1 1 1 0 0,1 0 0 0 0,-1-1-1 0 0,1 1 1 0 0,0-1-1 0 0,0 1 1 0 0,0 0 0 0 0,0-1-1 0 0,0 1 1 0 0,1-1-1 0 0,21-18 755 0 0,-9 9-761 0 0,-7 6-103 0 0,0 0-1 0 0,0 0 1 0 0,0 1-1 0 0,12-5 0 0 0,5-3 1 0 0,-18 8 58 0 0,-1 1 0 0 0,1 1 0 0 0,0-1 0 0 0,0 1 0 0 0,0 0 0 0 0,0 0 0 0 0,1 1 0 0 0,-1 0 0 0 0,1 0 0 0 0,-1 0 0 0 0,7 1 0 0 0,-12 1-74 0 0,0 0 0 0 0,-1 0 0 0 0,1 0-1 0 0,0 1 1 0 0,-1-1 0 0 0,1 0 0 0 0,-1 0 0 0 0,1 1 0 0 0,-1-1-1 0 0,0 2 1 0 0,1-1 7 0 0,0 3-2 0 0,-1 1-1 0 0,1-1 0 0 0,-1 1 0 0 0,0-1 0 0 0,0 1 0 0 0,-1-1 0 0 0,0 1 0 0 0,-2 9 1 0 0,-2 11 14 0 0,5-22-30 0 0,-2 34-699 0 0,2-35 438 0 0,0 0 1 0 0,1-1 0 0 0,-1 1-1 0 0,1-1 1 0 0,0 1-1 0 0,0 0 1 0 0,0-1 0 0 0,0 0-1 0 0,0 1 1 0 0,0-1-1 0 0,1 1 1 0 0,1 1 0 0 0</inkml:trace>
+</inkml:ink>
+</file>
+
+<file path=ppt/ink/ink2.xml><?xml version="1.0" encoding="utf-8"?>
+<inkml:ink xmlns:inkml="http://www.w3.org/2003/InkML">
+  <inkml:definitions>
+    <inkml:context xml:id="ctx0">
+      <inkml:inkSource xml:id="inkSrc0">
+        <inkml:traceFormat>
+          <inkml:channel name="X" type="integer" min="-2.14748E9" max="2.14748E9" units="cm"/>
+          <inkml:channel name="Y" type="integer" min="-2.14748E9" max="2.14748E9" units="cm"/>
+          <inkml:channel name="F" type="integer" max="32767" units="dev"/>
+          <inkml:channel name="OA" type="integer" max="360" units="deg"/>
+          <inkml:channel name="OE" type="integer" max="90" units="deg"/>
+        </inkml:traceFormat>
+        <inkml:channelProperties>
+          <inkml:channelProperty channel="X" name="resolution" value="1000" units="1/cm"/>
+          <inkml:channelProperty channel="Y" name="resolution" value="1000" units="1/cm"/>
+          <inkml:channelProperty channel="F" name="resolution" value="0" units="1/dev"/>
+          <inkml:channelProperty channel="OA" name="resolution" value="1000" units="1/deg"/>
+          <inkml:channelProperty channel="OE" name="resolution" value="1000" units="1/deg"/>
+        </inkml:channelProperties>
+      </inkml:inkSource>
+      <inkml:timestamp xml:id="ts0" timeString="2021-06-04T15:01:06.880"/>
+    </inkml:context>
+    <inkml:brush xml:id="br0">
+      <inkml:brushProperty name="width" value="0.05" units="cm"/>
+      <inkml:brushProperty name="height" value="0.05" units="cm"/>
+      <inkml:brushProperty name="color" value="#FF0066"/>
+    </inkml:brush>
+  </inkml:definitions>
+  <inkml:trace contextRef="#ctx0" brushRef="#br0">42 3 3224 0 0,'0'0'3120'0'0,"-14"-3"3490"0"0,12 4-6254 0 0,0 0 0 0 0,0 1 1 0 0,1-1-1 0 0,-1 0 0 0 0,0 1 0 0 0,0-1 0 0 0,1 1 0 0 0,-2 2 0 0 0,-7 6 4479 0 0,11-9-4526 0 0,1 1-206 0 0,1-1-1 0 0,-1 1 1 0 0,1-1 0 0 0,-1 1-1 0 0,1-1 1 0 0,0 0-1 0 0,-1 0 1 0 0,1 0-1 0 0,0-1 1 0 0,0 1 0 0 0,3 0-1 0 0,38 3 984 0 0,-29-3-768 0 0,66 6 135 0 0,173 8 619 0 0,-58 1-265 0 0,-70-4-366 0 0,284 18 1035 0 0,-262-26-1261 0 0,-53-4 53 0 0,116 9 349 0 0,-176-9-450 0 0,51-5 1 0 0,-16-1 41 0 0,10 3 98 0 0,116-4 37 0 0,-139 12-190 0 0,-38-2-71 0 0,21 0 0 0 0,39-5 367 0 0,-77 1-445 0 0,-1 1-2 0 0,1 0 0 0 0,-1 0 0 0 0,1 0 0 0 0,-1-1 0 0 0,1 1 0 0 0,-1 0 0 0 0,0-1 1 0 0,1 0-1 0 0,-1 1 0 0 0,0-1 0 0 0,2 0 0 0 0,-1-16-1969 0 0</inkml:trace>
+</inkml:ink>
+</file>
+
+<file path=ppt/ink/ink20.xml><?xml version="1.0" encoding="utf-8"?>
+<inkml:ink xmlns:inkml="http://www.w3.org/2003/InkML">
+  <inkml:definitions>
+    <inkml:context xml:id="ctx0">
+      <inkml:inkSource xml:id="inkSrc0">
+        <inkml:traceFormat>
+          <inkml:channel name="X" type="integer" min="-2.14748E9" max="2.14748E9" units="cm"/>
+          <inkml:channel name="Y" type="integer" min="-2.14748E9" max="2.14748E9" units="cm"/>
+          <inkml:channel name="F" type="integer" max="32767" units="dev"/>
+          <inkml:channel name="OA" type="integer" max="360" units="deg"/>
+          <inkml:channel name="OE" type="integer" max="90" units="deg"/>
+        </inkml:traceFormat>
+        <inkml:channelProperties>
+          <inkml:channelProperty channel="X" name="resolution" value="1000" units="1/cm"/>
+          <inkml:channelProperty channel="Y" name="resolution" value="1000" units="1/cm"/>
+          <inkml:channelProperty channel="F" name="resolution" value="0" units="1/dev"/>
+          <inkml:channelProperty channel="OA" name="resolution" value="1000" units="1/deg"/>
+          <inkml:channelProperty channel="OE" name="resolution" value="1000" units="1/deg"/>
+        </inkml:channelProperties>
+      </inkml:inkSource>
+      <inkml:timestamp xml:id="ts0" timeString="2021-06-04T15:01:30.003"/>
+    </inkml:context>
+    <inkml:brush xml:id="br0">
+      <inkml:brushProperty name="width" value="0.05" units="cm"/>
+      <inkml:brushProperty name="height" value="0.05" units="cm"/>
+      <inkml:brushProperty name="color" value="#FF0066"/>
+    </inkml:brush>
+  </inkml:definitions>
+  <inkml:trace contextRef="#ctx0" brushRef="#br0">107 0 6992 0 0,'-8'9'748'0'0,"-14"4"647"0"0,1 0 2947 0 0,6-8-1629 0 0,14-4-2395 0 0,-1-1 0 0 0,0 1 1 0 0,0-1-1 0 0,1 1 0 0 0,-1-1 0 0 0,0 1 0 0 0,1 0 1 0 0,-1 0-1 0 0,1 0 0 0 0,-3 1 0 0 0,4-1 151 0 0,-9 2 1945 0 0,8-3-2349 0 0,1 0 0 0 0,-1 0-1 0 0,0 0 1 0 0,0 0-1 0 0,1 0 1 0 0,-1 1 0 0 0,0-1-1 0 0,0 0 1 0 0,1 1 0 0 0,-1-1-1 0 0,0 1 1 0 0,1-1-1 0 0,-2 2 424 0 0,5 6-54 0 0,1-6-367 0 0,-1 1-1 0 0,1-1 0 0 0,0 0 1 0 0,1 0-1 0 0,-1 0 0 0 0,0 0 1 0 0,0-1-1 0 0,1 0 0 0 0,6 2 1 0 0,46 2 367 0 0,-30-3-242 0 0,184 6 1078 0 0,-140-7-854 0 0,190 4 336 0 0,-110 0-993 0 0,45-2 1339 0 0,139 2 1581 0 0,-294-1-2793 0 0,-22-2 113 0 0,-1 0 0 0 0,1-2 0 0 0,0 0 0 0 0,22-3 0 0 0,-20-2-3227 0 0,-19 3 1823 0 0</inkml:trace>
+</inkml:ink>
+</file>
+
+<file path=ppt/ink/ink21.xml><?xml version="1.0" encoding="utf-8"?>
+<inkml:ink xmlns:inkml="http://www.w3.org/2003/InkML">
+  <inkml:definitions>
+    <inkml:context xml:id="ctx0">
+      <inkml:inkSource xml:id="inkSrc0">
+        <inkml:traceFormat>
+          <inkml:channel name="X" type="integer" min="-2.14748E9" max="2.14748E9" units="cm"/>
+          <inkml:channel name="Y" type="integer" min="-2.14748E9" max="2.14748E9" units="cm"/>
+          <inkml:channel name="F" type="integer" max="32767" units="dev"/>
+          <inkml:channel name="OA" type="integer" max="360" units="deg"/>
+          <inkml:channel name="OE" type="integer" max="90" units="deg"/>
+        </inkml:traceFormat>
+        <inkml:channelProperties>
+          <inkml:channelProperty channel="X" name="resolution" value="1000" units="1/cm"/>
+          <inkml:channelProperty channel="Y" name="resolution" value="1000" units="1/cm"/>
+          <inkml:channelProperty channel="F" name="resolution" value="0" units="1/dev"/>
+          <inkml:channelProperty channel="OA" name="resolution" value="1000" units="1/deg"/>
+          <inkml:channelProperty channel="OE" name="resolution" value="1000" units="1/deg"/>
+        </inkml:channelProperties>
+      </inkml:inkSource>
+      <inkml:timestamp xml:id="ts0" timeString="2021-06-04T15:01:30.713"/>
+    </inkml:context>
+    <inkml:brush xml:id="br0">
+      <inkml:brushProperty name="width" value="0.05" units="cm"/>
+      <inkml:brushProperty name="height" value="0.05" units="cm"/>
+      <inkml:brushProperty name="color" value="#FF0066"/>
+    </inkml:brush>
+  </inkml:definitions>
+  <inkml:trace contextRef="#ctx0" brushRef="#br0">35 1 7368 0 0,'-35'7'12078'0'0,"36"-6"-11891"0"0,0-1 0 0 0,0 1-1 0 0,0 0 1 0 0,0-1 0 0 0,0 1 0 0 0,0 0-1 0 0,0-1 1 0 0,1 0 0 0 0,-1 1 0 0 0,0-1 0 0 0,1 1-1 0 0,1 0 238 0 0,11 3 217 0 0,1 0 0 0 0,-1 0 0 0 0,1-2 0 0 0,15 2-1 0 0,61-1 526 0 0,-41-2-657 0 0,742-4 2548 0 0,-621-2-2806 0 0,54-4 294 0 0,-140 6-350 0 0,-1 4 1 0 0,1 4-1 0 0,102 19 0 0 0,-54 5 364 0 0,-126-27-5913 0 0,-12-4 4934 0 0,-2 1-2198 0 0</inkml:trace>
+</inkml:ink>
+</file>
+
+<file path=ppt/ink/ink22.xml><?xml version="1.0" encoding="utf-8"?>
+<inkml:ink xmlns:inkml="http://www.w3.org/2003/InkML">
+  <inkml:definitions>
+    <inkml:context xml:id="ctx0">
+      <inkml:inkSource xml:id="inkSrc0">
+        <inkml:traceFormat>
+          <inkml:channel name="X" type="integer" min="-2.14748E9" max="2.14748E9" units="cm"/>
+          <inkml:channel name="Y" type="integer" min="-2.14748E9" max="2.14748E9" units="cm"/>
+          <inkml:channel name="F" type="integer" max="32767" units="dev"/>
+          <inkml:channel name="OA" type="integer" max="360" units="deg"/>
+          <inkml:channel name="OE" type="integer" max="90" units="deg"/>
+        </inkml:traceFormat>
+        <inkml:channelProperties>
+          <inkml:channelProperty channel="X" name="resolution" value="1000" units="1/cm"/>
+          <inkml:channelProperty channel="Y" name="resolution" value="1000" units="1/cm"/>
+          <inkml:channelProperty channel="F" name="resolution" value="0" units="1/dev"/>
+          <inkml:channelProperty channel="OA" name="resolution" value="1000" units="1/deg"/>
+          <inkml:channelProperty channel="OE" name="resolution" value="1000" units="1/deg"/>
+        </inkml:channelProperties>
+      </inkml:inkSource>
+      <inkml:timestamp xml:id="ts0" timeString="2021-06-04T15:01:32.855"/>
+    </inkml:context>
+    <inkml:brush xml:id="br0">
+      <inkml:brushProperty name="width" value="0.05" units="cm"/>
+      <inkml:brushProperty name="height" value="0.05" units="cm"/>
+      <inkml:brushProperty name="color" value="#FF0066"/>
+    </inkml:brush>
+  </inkml:definitions>
+  <inkml:trace contextRef="#ctx0" brushRef="#br0">11 309 7368 0 0,'0'0'17'0'0,"0"0"-1"0"0,-1 0 1 0 0,1 0 0 0 0,0 0 0 0 0,0 0-1 0 0,-1 0 1 0 0,1 0 0 0 0,0 0 0 0 0,-1 0-1 0 0,1 0 1 0 0,0 0 0 0 0,0 0 0 0 0,-1 0-1 0 0,1 0 1 0 0,0-1 0 0 0,0 1 0 0 0,-1 0-1 0 0,1 0 1 0 0,0 0 0 0 0,0 0 0 0 0,-1 0 0 0 0,1-1-1 0 0,0 1 1 0 0,0 0 0 0 0,0 0 0 0 0,-1 0-1 0 0,1-1 1 0 0,0 1 0 0 0,0 0 0 0 0,0 0-1 0 0,0 0 1 0 0,-1-1 0 0 0,1 1 0 0 0,0 0-1 0 0,0-1 1 0 0,-3-14 465 0 0,5-4 1777 0 0,4 5 3679 0 0,-4 12-5606 0 0,-1 1 0 0 0,1-1 0 0 0,0 1 0 0 0,0-1 0 0 0,0 1-1 0 0,0 0 1 0 0,0-1 0 0 0,0 1 0 0 0,0 0 0 0 0,0 0 0 0 0,0 1 0 0 0,0-1-1 0 0,5-1 1 0 0,0 1-42 0 0,1 1-1 0 0,14-1 0 0 0,2 1 274 0 0,25-3 57 0 0,88-9 360 0 0,59-21-345 0 0,-172 30-562 0 0,-15 2-19 0 0,0-1-1 0 0,0 0 1 0 0,-1 0 0 0 0,15-5-1 0 0,-22 6 323 0 0,-8-4-140 0 0,-16-12-18 0 0,0 1 0 0 0,-35-18 0 0 0,30 18-220 0 0,-6-3 130 0 0,-66-28-1 0 0,70 32 561 0 0,77 27-668 0 0,1-3 0 0 0,0-1 1 0 0,73 2-1 0 0,-85-9 15 0 0,31-1 77 0 0,-57-1-76 0 0,0 1 0 0 0,0 1 1 0 0,0-1-1 0 0,0 2 0 0 0,0 0 1 0 0,0 0-1 0 0,0 0 0 0 0,14 6 0 0 0,-24-6-12 0 0,0-1 0 0 0,0 1 0 0 0,0-1 0 0 0,0 0-1 0 0,0 1 1 0 0,0-1 0 0 0,0 0 0 0 0,-1 1 0 0 0,1-1-1 0 0,0 0 1 0 0,-1 1 0 0 0,1-1 0 0 0,-1 0-1 0 0,0 2 1 0 0,0-1 43 0 0,-1 3-1 0 0,0 0-1 0 0,0 0 1 0 0,-1 0-1 0 0,0-1 0 0 0,0 1 1 0 0,0-1-1 0 0,0 0 1 0 0,-4 4-1 0 0,-35 31 228 0 0,25-25-200 0 0,-121 120 206 0 0,118-121-1849 0 0</inkml:trace>
+</inkml:ink>
+</file>
+
+<file path=ppt/ink/ink3.xml><?xml version="1.0" encoding="utf-8"?>
+<inkml:ink xmlns:inkml="http://www.w3.org/2003/InkML">
+  <inkml:definitions>
+    <inkml:context xml:id="ctx0">
+      <inkml:inkSource xml:id="inkSrc0">
+        <inkml:traceFormat>
+          <inkml:channel name="X" type="integer" min="-2.14748E9" max="2.14748E9" units="cm"/>
+          <inkml:channel name="Y" type="integer" min="-2.14748E9" max="2.14748E9" units="cm"/>
+          <inkml:channel name="F" type="integer" max="32767" units="dev"/>
+          <inkml:channel name="OA" type="integer" max="360" units="deg"/>
+          <inkml:channel name="OE" type="integer" max="90" units="deg"/>
+        </inkml:traceFormat>
+        <inkml:channelProperties>
+          <inkml:channelProperty channel="X" name="resolution" value="1000" units="1/cm"/>
+          <inkml:channelProperty channel="Y" name="resolution" value="1000" units="1/cm"/>
+          <inkml:channelProperty channel="F" name="resolution" value="0" units="1/dev"/>
+          <inkml:channelProperty channel="OA" name="resolution" value="1000" units="1/deg"/>
+          <inkml:channelProperty channel="OE" name="resolution" value="1000" units="1/deg"/>
+        </inkml:channelProperties>
+      </inkml:inkSource>
+      <inkml:timestamp xml:id="ts0" timeString="2021-06-04T15:01:08.504"/>
+    </inkml:context>
+    <inkml:brush xml:id="br0">
+      <inkml:brushProperty name="width" value="0.05" units="cm"/>
+      <inkml:brushProperty name="height" value="0.05" units="cm"/>
+      <inkml:brushProperty name="color" value="#FF0066"/>
+    </inkml:brush>
+  </inkml:definitions>
+  <inkml:trace contextRef="#ctx0" brushRef="#br0">71 34 2760 0 0,'-17'-1'730'0'0,"-8"-3"3157"0"0,-4 0 8609 0 0,41 13-11250 0 0,-8-5-1060 0 0,0-2 0 0 0,0 1-1 0 0,0 0 1 0 0,1-1-1 0 0,-1 1 1 0 0,1-1 0 0 0,-1-1-1 0 0,1 1 1 0 0,5 1-1 0 0,7 1 344 0 0,22 1 0 0 0,-31-4-413 0 0,41 3 595 0 0,69-4 0 0 0,-46-1-195 0 0,38 3-35 0 0,67-2-106 0 0,274-17 833 0 0,-321 12-915 0 0,114-8 221 0 0,63 6 360 0 0,-185 9-483 0 0,-74-1-335 0 0,38-1 112 0 0,-18 0 52 0 0,-31-3-126 0 0,106-4 480 0 0,-121 6-427 0 0,-1-1-1 0 0,24-5 1 0 0,-42 7-132 0 0,11-3 34 0 0,-12 1-60 0 0,-2 1-53 0 0,1-3-215 0 0,-1-1-1644 0 0</inkml:trace>
+</inkml:ink>
+</file>
+
+<file path=ppt/ink/ink4.xml><?xml version="1.0" encoding="utf-8"?>
+<inkml:ink xmlns:inkml="http://www.w3.org/2003/InkML">
+  <inkml:definitions>
+    <inkml:context xml:id="ctx0">
+      <inkml:inkSource xml:id="inkSrc0">
+        <inkml:traceFormat>
+          <inkml:channel name="X" type="integer" min="-2.14748E9" max="2.14748E9" units="cm"/>
+          <inkml:channel name="Y" type="integer" min="-2.14748E9" max="2.14748E9" units="cm"/>
+          <inkml:channel name="F" type="integer" max="32767" units="dev"/>
+          <inkml:channel name="OA" type="integer" max="360" units="deg"/>
+          <inkml:channel name="OE" type="integer" max="90" units="deg"/>
+        </inkml:traceFormat>
+        <inkml:channelProperties>
+          <inkml:channelProperty channel="X" name="resolution" value="1000" units="1/cm"/>
+          <inkml:channelProperty channel="Y" name="resolution" value="1000" units="1/cm"/>
+          <inkml:channelProperty channel="F" name="resolution" value="0" units="1/dev"/>
+          <inkml:channelProperty channel="OA" name="resolution" value="1000" units="1/deg"/>
+          <inkml:channelProperty channel="OE" name="resolution" value="1000" units="1/deg"/>
+        </inkml:channelProperties>
+      </inkml:inkSource>
+      <inkml:timestamp xml:id="ts0" timeString="2021-06-04T15:01:15.439"/>
+    </inkml:context>
+    <inkml:brush xml:id="br0">
+      <inkml:brushProperty name="width" value="0.05" units="cm"/>
+      <inkml:brushProperty name="height" value="0.05" units="cm"/>
+      <inkml:brushProperty name="color" value="#FF0066"/>
+    </inkml:brush>
+  </inkml:definitions>
+  <inkml:trace contextRef="#ctx0" brushRef="#br0">5 8 2760 0 0,'-4'6'10850'0'0,"3"-2"-8871"0"0,7 0-1496 0 0,-1-1 0 0 0,1 1-1 0 0,0-1 1 0 0,0 0 0 0 0,0-1 0 0 0,0 1 0 0 0,1-1 0 0 0,-1 0 0 0 0,1-1 0 0 0,-1 0-1 0 0,13 1 1 0 0,9-1 340 0 0,42-3-1 0 0,-43 1-367 0 0,10-1-476 0 0,1-1-1 0 0,-1-1 0 0 0,48-13 1 0 0,-72 14-417 0 0,5-2-1193 0 0,-7 0-3645 0 0,0-2-1640 0 0</inkml:trace>
+</inkml:ink>
+</file>
+
+<file path=ppt/ink/ink5.xml><?xml version="1.0" encoding="utf-8"?>
+<inkml:ink xmlns:inkml="http://www.w3.org/2003/InkML">
+  <inkml:definitions>
+    <inkml:context xml:id="ctx0">
+      <inkml:inkSource xml:id="inkSrc0">
+        <inkml:traceFormat>
+          <inkml:channel name="X" type="integer" min="-2.14748E9" max="2.14748E9" units="cm"/>
+          <inkml:channel name="Y" type="integer" min="-2.14748E9" max="2.14748E9" units="cm"/>
+          <inkml:channel name="F" type="integer" max="32767" units="dev"/>
+          <inkml:channel name="OA" type="integer" max="360" units="deg"/>
+          <inkml:channel name="OE" type="integer" max="90" units="deg"/>
+        </inkml:traceFormat>
+        <inkml:channelProperties>
+          <inkml:channelProperty channel="X" name="resolution" value="1000" units="1/cm"/>
+          <inkml:channelProperty channel="Y" name="resolution" value="1000" units="1/cm"/>
+          <inkml:channelProperty channel="F" name="resolution" value="0" units="1/dev"/>
+          <inkml:channelProperty channel="OA" name="resolution" value="1000" units="1/deg"/>
+          <inkml:channelProperty channel="OE" name="resolution" value="1000" units="1/deg"/>
+        </inkml:channelProperties>
+      </inkml:inkSource>
+      <inkml:timestamp xml:id="ts0" timeString="2021-06-04T15:01:15.839"/>
+    </inkml:context>
+    <inkml:brush xml:id="br0">
+      <inkml:brushProperty name="width" value="0.05" units="cm"/>
+      <inkml:brushProperty name="height" value="0.05" units="cm"/>
+      <inkml:brushProperty name="color" value="#FF0066"/>
+    </inkml:brush>
+  </inkml:definitions>
+  <inkml:trace contextRef="#ctx0" brushRef="#br0">277 1 16559 0 0,'-2'1'109'0'0,"1"0"-1"0"0,0-1 0 0 0,-1 1 0 0 0,1 0 1 0 0,0 0-1 0 0,-1 0 0 0 0,1 1 0 0 0,0-1 0 0 0,0 0 1 0 0,0 0-1 0 0,0 1 0 0 0,0-1 0 0 0,-1 3 0 0 0,-6 24 169 0 0,-8 40 868 0 0,-3 1-1 0 0,-36 85 0 0 0,43-123-1050 0 0,-23 64 186 0 0,-39 99-127 0 0,71-186-257 0 0,-17 36-184 0 0,3-16-3761 0 0</inkml:trace>
+</inkml:ink>
+</file>
+
+<file path=ppt/ink/ink6.xml><?xml version="1.0" encoding="utf-8"?>
+<inkml:ink xmlns:inkml="http://www.w3.org/2003/InkML">
+  <inkml:definitions>
+    <inkml:context xml:id="ctx0">
+      <inkml:inkSource xml:id="inkSrc0">
+        <inkml:traceFormat>
+          <inkml:channel name="X" type="integer" min="-2.14748E9" max="2.14748E9" units="cm"/>
+          <inkml:channel name="Y" type="integer" min="-2.14748E9" max="2.14748E9" units="cm"/>
+          <inkml:channel name="F" type="integer" max="32767" units="dev"/>
+          <inkml:channel name="OA" type="integer" max="360" units="deg"/>
+          <inkml:channel name="OE" type="integer" max="90" units="deg"/>
+        </inkml:traceFormat>
+        <inkml:channelProperties>
+          <inkml:channelProperty channel="X" name="resolution" value="1000" units="1/cm"/>
+          <inkml:channelProperty channel="Y" name="resolution" value="1000" units="1/cm"/>
+          <inkml:channelProperty channel="F" name="resolution" value="0" units="1/dev"/>
+          <inkml:channelProperty channel="OA" name="resolution" value="1000" units="1/deg"/>
+          <inkml:channelProperty channel="OE" name="resolution" value="1000" units="1/deg"/>
+        </inkml:channelProperties>
+      </inkml:inkSource>
+      <inkml:timestamp xml:id="ts0" timeString="2021-06-04T15:01:16.304"/>
+    </inkml:context>
+    <inkml:brush xml:id="br0">
+      <inkml:brushProperty name="width" value="0.05" units="cm"/>
+      <inkml:brushProperty name="height" value="0.05" units="cm"/>
+      <inkml:brushProperty name="color" value="#FF0066"/>
+    </inkml:brush>
+  </inkml:definitions>
+  <inkml:trace contextRef="#ctx0" brushRef="#br0">35 10 3224 0 0,'0'0'10694'0'0,"-6"16"-7857"0"0,-1 3-2448 0 0,1 0-1 0 0,2 1 1 0 0,0-1-1 0 0,1 1 0 0 0,0 0 1 0 0,2 0-1 0 0,1 0 1 0 0,0 0-1 0 0,5 32 0 0 0,-3-43-236 0 0,-1-1-1 0 0,1 1 0 0 0,5 10 0 0 0,-6-17-87 0 0,-1 0 1 0 0,1 0-1 0 0,0 1 0 0 0,0-1 1 0 0,0 0-1 0 0,0-1 0 0 0,1 1 1 0 0,-1 0-1 0 0,1 0 0 0 0,-1 0 1 0 0,1-1-1 0 0,-1 1 0 0 0,1-1 1 0 0,0 1-1 0 0,0-1 0 0 0,0 0 1 0 0,3 2-1 0 0,-3-3-6 0 0,-1 0-1 0 0,1 0 1 0 0,0 0-1 0 0,0 0 1 0 0,-1 0-1 0 0,1 0 1 0 0,0-1-1 0 0,0 1 1 0 0,-1 0-1 0 0,1-1 1 0 0,0 0 0 0 0,-1 1-1 0 0,1-1 1 0 0,0 0-1 0 0,-1 0 1 0 0,1 0-1 0 0,-1 0 1 0 0,0 0-1 0 0,3-2 1 0 0,1-2-72 0 0,1 0-1 0 0,-1-1 1 0 0,5-7-1 0 0,10-15 292 0 0,19-38-1 0 0,-26 42 40 0 0,1 1 0 0 0,0 0 0 0 0,25-27 1 0 0,-20 28 150 0 0,-11 13-119 0 0,0-1 0 0 0,0 1 0 0 0,1 1 0 0 0,14-11 0 0 0,-22 19-109 0 0,4 5 2 0 0,-3-3-203 0 0,-1 1-1 0 0,0-1 1 0 0,1 1-1 0 0,-1-1 1 0 0,0 1-1 0 0,0-1 0 0 0,-1 1 1 0 0,1 0-1 0 0,-1-1 1 0 0,1 5-1 0 0,0 31 264 0 0,-1-24-199 0 0,-1 30 7 0 0,4 80 214 0 0,-3-120-320 0 0,1 1 1 0 0,0 0-1 0 0,0-1 0 0 0,0 1 0 0 0,0 0 0 0 0,1-1 1 0 0,0 0-1 0 0,0 1 0 0 0,0-1 0 0 0,3 5 0 0 0,-3-7-2 0 0,0 0 0 0 0,-1 0 0 0 0,1 0-1 0 0,0 0 1 0 0,0-1 0 0 0,0 1 0 0 0,0-1-1 0 0,1 1 1 0 0,-1-1 0 0 0,0 0-1 0 0,1 0 1 0 0,-1 0 0 0 0,0 0 0 0 0,1 0-1 0 0,-1-1 1 0 0,1 1 0 0 0,-1-1 0 0 0,1 1-1 0 0,0-1 1 0 0,3 0 0 0 0,7-1-30 0 0,1 0 0 0 0,0-1 1 0 0,-1 0-1 0 0,1-1 0 0 0,-1-1 1 0 0,0 0-1 0 0,20-9 0 0 0,-12 3 28 0 0,-1-1 0 0 0,0-1-1 0 0,32-26 1 0 0,-40 28 19 0 0,-2 0-1 0 0,1-1 1 0 0,-1-1-1 0 0,-1 0 1 0 0,15-25-1 0 0,-22 35 3 0 0,-1-1 0 0 0,0 0 0 0 0,0 0 0 0 0,0 1 0 0 0,0-1 0 0 0,-1 0 0 0 0,1 0 0 0 0,-1 0 0 0 0,0 0 0 0 0,0 0 0 0 0,0 0 0 0 0,0 0 0 0 0,-1-3 0 0 0,1 5-9 0 0,0 0 1 0 0,0 0 0 0 0,-1 0 0 0 0,1 0 0 0 0,0 0 0 0 0,-1 0 0 0 0,1 0 0 0 0,0 0 0 0 0,-1 0-1 0 0,0 0 1 0 0,1 0 0 0 0,-1 0 0 0 0,1 0 0 0 0,-1 0 0 0 0,0 1 0 0 0,0-1 0 0 0,1 0 0 0 0,-1 1-1 0 0,0-1 1 0 0,0 0 0 0 0,0 1 0 0 0,0-1 0 0 0,0 1 0 0 0,0-1 0 0 0,0 1 0 0 0,0 0-1 0 0,0-1 1 0 0,0 1 0 0 0,0 0 0 0 0,0 0 0 0 0,0-1 0 0 0,0 1 0 0 0,0 0 0 0 0,0 0 0 0 0,0 0-1 0 0,-1 1 1 0 0,1-1 0 0 0,-1 0 0 0 0,-1 1-1 0 0,0 0 0 0 0,1 0 1 0 0,-1 1-1 0 0,0-1 0 0 0,1 1 0 0 0,-1-1 0 0 0,1 1 0 0 0,0 0 1 0 0,0 0-1 0 0,-1 0 0 0 0,1 0 0 0 0,0 0 0 0 0,1 0 1 0 0,-1 1-1 0 0,0-1 0 0 0,-1 4 0 0 0,-3 4 38 0 0,1 0-1 0 0,-7 19 1 0 0,5-10-49 0 0,1 0 0 0 0,0 0 0 0 0,-3 24 0 0 0,8-31 0 0 0,-3 26-46 0 0,4-35 29 0 0,0-1-1 0 0,0 1 1 0 0,0 0-1 0 0,1 0 1 0 0,-1-1-1 0 0,1 1 1 0 0,0 0-1 0 0,0 0 1 0 0,0-1-1 0 0,0 1 1 0 0,1 2-1 0 0,-1-4-73 0 0,0 0 1 0 0,0 0-1 0 0,0 0 0 0 0,0 0 1 0 0,0-1-1 0 0,0 1 0 0 0,0 0 1 0 0,1 0-1 0 0,-1-1 0 0 0,0 1 1 0 0,0-1-1 0 0,1 1 0 0 0,-1-1 1 0 0,0 1-1 0 0,0-1 0 0 0,1 0 1 0 0,-1 1-1 0 0,0-1 0 0 0,2 0 1 0 0,27-3-1367 0 0,-22 2 591 0 0,-1-1 0 0 0,1-1 1 0 0,13-5-1 0 0,1-4-1049 0 0</inkml:trace>
+</inkml:ink>
+</file>
+
+<file path=ppt/ink/ink7.xml><?xml version="1.0" encoding="utf-8"?>
+<inkml:ink xmlns:inkml="http://www.w3.org/2003/InkML">
+  <inkml:definitions>
+    <inkml:context xml:id="ctx0">
+      <inkml:inkSource xml:id="inkSrc0">
+        <inkml:traceFormat>
+          <inkml:channel name="X" type="integer" min="-2.14748E9" max="2.14748E9" units="cm"/>
+          <inkml:channel name="Y" type="integer" min="-2.14748E9" max="2.14748E9" units="cm"/>
+          <inkml:channel name="F" type="integer" max="32767" units="dev"/>
+          <inkml:channel name="OA" type="integer" max="360" units="deg"/>
+          <inkml:channel name="OE" type="integer" max="90" units="deg"/>
+        </inkml:traceFormat>
+        <inkml:channelProperties>
+          <inkml:channelProperty channel="X" name="resolution" value="1000" units="1/cm"/>
+          <inkml:channelProperty channel="Y" name="resolution" value="1000" units="1/cm"/>
+          <inkml:channelProperty channel="F" name="resolution" value="0" units="1/dev"/>
+          <inkml:channelProperty channel="OA" name="resolution" value="1000" units="1/deg"/>
+          <inkml:channelProperty channel="OE" name="resolution" value="1000" units="1/deg"/>
+        </inkml:channelProperties>
+      </inkml:inkSource>
+      <inkml:timestamp xml:id="ts0" timeString="2021-06-04T15:01:16.677"/>
+    </inkml:context>
+    <inkml:brush xml:id="br0">
+      <inkml:brushProperty name="width" value="0.05" units="cm"/>
+      <inkml:brushProperty name="height" value="0.05" units="cm"/>
+      <inkml:brushProperty name="color" value="#FF0066"/>
+    </inkml:brush>
+  </inkml:definitions>
+  <inkml:trace contextRef="#ctx0" brushRef="#br0">137 1 14744 0 0,'-44'18'1378'0'0,"33"-12"137"0"0,0 0 1 0 0,0 1-1 0 0,1 0 1 0 0,0 1-1 0 0,0 0 0 0 0,-15 17 1 0 0,25-25-1484 0 0,0 0 1 0 0,-1 0 0 0 0,1 0-1 0 0,0 0 1 0 0,0 1-1 0 0,0-1 1 0 0,0 0-1 0 0,0 0 1 0 0,0 0-1 0 0,0 0 1 0 0,0 1-1 0 0,0-1 1 0 0,0 0 0 0 0,-1 0-1 0 0,1 0 1 0 0,0 1-1 0 0,0-1 1 0 0,0 0-1 0 0,0 0 1 0 0,0 0-1 0 0,0 0 1 0 0,0 1 0 0 0,0-1-1 0 0,1 0 1 0 0,-1 0-1 0 0,0 0 1 0 0,0 1-1 0 0,0-1 1 0 0,0 0-1 0 0,0 0 1 0 0,0 0 0 0 0,0 0-1 0 0,0 1 1 0 0,0-1-1 0 0,0 0 1 0 0,1 0-1 0 0,-1 0 1 0 0,0 0-1 0 0,0 0 1 0 0,0 1-1 0 0,0-1 1 0 0,1 0 0 0 0,-1 0-1 0 0,0 0 1 0 0,14 5 324 0 0,16-2-155 0 0,-20-3-85 0 0,3-1 93 0 0,1 2 0 0 0,18 2 0 0 0,-29-2-182 0 0,0-1 0 0 0,0 1-1 0 0,0 0 1 0 0,0-1 0 0 0,0 1 0 0 0,0 1-1 0 0,-1-1 1 0 0,1 0 0 0 0,0 1-1 0 0,-1 0 1 0 0,1-1 0 0 0,-1 1 0 0 0,1 0-1 0 0,-1 0 1 0 0,0 0 0 0 0,3 4-1 0 0,-3-3-15 0 0,-2-1-1 0 0,1 0 0 0 0,0 0 0 0 0,0 0 0 0 0,-1 1 0 0 0,1-1 0 0 0,-1 0 0 0 0,1 1 0 0 0,-1-1 0 0 0,0 1 0 0 0,0-1 1 0 0,0 0-1 0 0,-1 1 0 0 0,1-1 0 0 0,0 0 0 0 0,-2 5 0 0 0,-2 4 38 0 0,0 0 0 0 0,-6 12-1 0 0,5-12-23 0 0,-3 6-5 0 0,0 1-1 0 0,-2-2 1 0 0,-17 25 0 0 0,23-35-296 0 0,0-1 1 0 0,-1 0-1 0 0,0 0 1 0 0,0 0-1 0 0,0 0 1 0 0,0-1-1 0 0,-1 0 1 0 0,0 0-1 0 0,0-1 1 0 0,0 1-1 0 0,0-1 1 0 0,0 0-1 0 0,-10 2 1 0 0,6-3-2594 0 0</inkml:trace>
+</inkml:ink>
+</file>
+
+<file path=ppt/ink/ink8.xml><?xml version="1.0" encoding="utf-8"?>
+<inkml:ink xmlns:inkml="http://www.w3.org/2003/InkML">
+  <inkml:definitions>
+    <inkml:context xml:id="ctx0">
+      <inkml:inkSource xml:id="inkSrc0">
+        <inkml:traceFormat>
+          <inkml:channel name="X" type="integer" min="-2.14748E9" max="2.14748E9" units="cm"/>
+          <inkml:channel name="Y" type="integer" min="-2.14748E9" max="2.14748E9" units="cm"/>
+          <inkml:channel name="F" type="integer" max="32767" units="dev"/>
+          <inkml:channel name="OA" type="integer" max="360" units="deg"/>
+          <inkml:channel name="OE" type="integer" max="90" units="deg"/>
+        </inkml:traceFormat>
+        <inkml:channelProperties>
+          <inkml:channelProperty channel="X" name="resolution" value="1000" units="1/cm"/>
+          <inkml:channelProperty channel="Y" name="resolution" value="1000" units="1/cm"/>
+          <inkml:channelProperty channel="F" name="resolution" value="0" units="1/dev"/>
+          <inkml:channelProperty channel="OA" name="resolution" value="1000" units="1/deg"/>
+          <inkml:channelProperty channel="OE" name="resolution" value="1000" units="1/deg"/>
+        </inkml:channelProperties>
+      </inkml:inkSource>
+      <inkml:timestamp xml:id="ts0" timeString="2021-06-04T15:01:17.075"/>
+    </inkml:context>
+    <inkml:brush xml:id="br0">
+      <inkml:brushProperty name="width" value="0.05" units="cm"/>
+      <inkml:brushProperty name="height" value="0.05" units="cm"/>
+      <inkml:brushProperty name="color" value="#FF0066"/>
+    </inkml:brush>
+  </inkml:definitions>
+  <inkml:trace contextRef="#ctx0" brushRef="#br0">150 241 13360 0 0,'0'0'1026'0'0,"-1"0"-668"0"0,-8 3 881 0 0,1 1 0 0 0,-1 0 0 0 0,1 0 0 0 0,0 0 0 0 0,-12 10 0 0 0,13-8-783 0 0,0-1 0 0 0,1 2 0 0 0,0-1 0 0 0,0 1 0 0 0,-7 10 0 0 0,7-8-352 0 0,1 1 1 0 0,-1 0-1 0 0,2 0 1 0 0,0 1-1 0 0,0-1 1 0 0,1 1 0 0 0,0 0-1 0 0,0 0 1 0 0,0 18-1 0 0,2-23-85 0 0,1-1 0 0 0,0 1 0 0 0,1 0 0 0 0,0-1 0 0 0,-1 1 0 0 0,2-1 0 0 0,-1 1 0 0 0,1-1 0 0 0,0 1-1 0 0,4 8 1 0 0,-5-12-3 0 0,0-1-1 0 0,0 1 1 0 0,0-1-1 0 0,0 1 1 0 0,0-1-1 0 0,0 0 1 0 0,1 1-1 0 0,-1-1 1 0 0,0 0-1 0 0,1 0 1 0 0,-1 0-1 0 0,1 0 1 0 0,-1 0-1 0 0,1 0 1 0 0,3 0-1 0 0,-4 0 11 0 0,1-1 1 0 0,0 0-1 0 0,0 0 1 0 0,0 0-1 0 0,0 0 0 0 0,0 0 1 0 0,-1 0-1 0 0,1-1 1 0 0,0 1-1 0 0,0-1 0 0 0,0 1 1 0 0,-1-1-1 0 0,1 0 1 0 0,0 1-1 0 0,0-1 0 0 0,-1 0 1 0 0,1 0-1 0 0,1-2 1 0 0,2-1 72 0 0,0 0 1 0 0,0-1 0 0 0,-1 0 0 0 0,1 0 0 0 0,-1 0 0 0 0,0 0 0 0 0,-1-1 0 0 0,1 1-1 0 0,3-9 1 0 0,2-6 181 0 0,9-31-1 0 0,33-148 971 0 0,-29 91-275 0 0,-4 20 181 0 0,-22 96-1048 0 0,0-1 0 0 0,1 1-1 0 0,-4 12 1 0 0,-6 84-37 0 0,9-78-246 0 0,1-1-1 0 0,2 0 1 0 0,1 1 0 0 0,1 0-1 0 0,1-1 1 0 0,1 0 0 0 0,9 40-1 0 0,-10-59-39 0 0,0-1 0 0 0,0 0-1 0 0,0 1 1 0 0,1-1 0 0 0,-1 0-1 0 0,7 8 1 0 0,8 3-2516 0 0,-14-14 1432 0 0,0 0-1 0 0,-1-1 1 0 0,1 1 0 0 0,0-1 0 0 0,6 2 0 0 0,6-2-6887 0 0</inkml:trace>
+</inkml:ink>
+</file>
+
+<file path=ppt/ink/ink9.xml><?xml version="1.0" encoding="utf-8"?>
+<inkml:ink xmlns:inkml="http://www.w3.org/2003/InkML">
+  <inkml:definitions>
+    <inkml:context xml:id="ctx0">
+      <inkml:inkSource xml:id="inkSrc0">
+        <inkml:traceFormat>
+          <inkml:channel name="X" type="integer" min="-2.14748E9" max="2.14748E9" units="cm"/>
+          <inkml:channel name="Y" type="integer" min="-2.14748E9" max="2.14748E9" units="cm"/>
+          <inkml:channel name="F" type="integer" max="32767" units="dev"/>
+          <inkml:channel name="OA" type="integer" max="360" units="deg"/>
+          <inkml:channel name="OE" type="integer" max="90" units="deg"/>
+        </inkml:traceFormat>
+        <inkml:channelProperties>
+          <inkml:channelProperty channel="X" name="resolution" value="1000" units="1/cm"/>
+          <inkml:channelProperty channel="Y" name="resolution" value="1000" units="1/cm"/>
+          <inkml:channelProperty channel="F" name="resolution" value="0" units="1/dev"/>
+          <inkml:channelProperty channel="OA" name="resolution" value="1000" units="1/deg"/>
+          <inkml:channelProperty channel="OE" name="resolution" value="1000" units="1/deg"/>
+        </inkml:channelProperties>
+      </inkml:inkSource>
+      <inkml:timestamp xml:id="ts0" timeString="2021-06-04T15:01:17.492"/>
+    </inkml:context>
+    <inkml:brush xml:id="br0">
+      <inkml:brushProperty name="width" value="0.05" units="cm"/>
+      <inkml:brushProperty name="height" value="0.05" units="cm"/>
+      <inkml:brushProperty name="color" value="#FF0066"/>
+    </inkml:brush>
+  </inkml:definitions>
+  <inkml:trace contextRef="#ctx0" brushRef="#br0">102 0 7832 0 0,'0'0'602'0'0,"-4"1"-259"0"0,-9 1 4677 0 0,8 0-4054 0 0,1-1-1 0 0,0 1 1 0 0,0 0-1 0 0,0 0 1 0 0,0 1 0 0 0,0-1-1 0 0,-5 5 1 0 0,5-3-467 0 0,1 0 0 0 0,-1 0 0 0 0,1 0 0 0 0,-1 0 0 0 0,-4 9 0 0 0,5-6-394 0 0,-1 0 0 0 0,2 0 0 0 0,-1 0 1 0 0,1 0-1 0 0,0 0 0 0 0,0 1 0 0 0,1-1 0 0 0,0 1 0 0 0,0 10 0 0 0,1-12 28 0 0,0 1-1 0 0,1-1 1 0 0,-1 0-1 0 0,3 8 0 0 0,-2-11-88 0 0,-1-1-1 0 0,1 0 0 0 0,0 1 0 0 0,1-1 0 0 0,-1 0 0 0 0,0 0 1 0 0,1 0-1 0 0,-1 0 0 0 0,1 0 0 0 0,0 0 0 0 0,0 0 0 0 0,-1-1 1 0 0,5 4-1 0 0,-4-4-11 0 0,0 1 0 0 0,0-1-1 0 0,0 0 1 0 0,0 0 0 0 0,0 1 0 0 0,1-1 0 0 0,-1 0 0 0 0,0-1 0 0 0,1 1 0 0 0,-1 0-1 0 0,0-1 1 0 0,1 1 0 0 0,-1-1 0 0 0,1 0 0 0 0,-1 0 0 0 0,1 0 0 0 0,-1 0 0 0 0,1 0-1 0 0,-1-1 1 0 0,1 1 0 0 0,-1-1 0 0 0,0 1 0 0 0,1-1 0 0 0,-1 0 0 0 0,0 0 0 0 0,1 0-1 0 0,-1 0 1 0 0,0-1 0 0 0,0 1 0 0 0,0 0 0 0 0,2-3 0 0 0,2 0 122 0 0,-1 0-1 0 0,0-1 1 0 0,0 1 0 0 0,0-1-1 0 0,0 0 1 0 0,-1 0 0 0 0,0 0 0 0 0,0-1-1 0 0,5-9 1 0 0,-1 4 249 0 0,-7 10-302 0 0,1 0 0 0 0,-1-1-1 0 0,0 1 1 0 0,0 0 0 0 0,-1 0 0 0 0,1 0-1 0 0,0-1 1 0 0,0 1 0 0 0,-1 0 0 0 0,1-1-1 0 0,0-1 1 0 0,0 9-81 0 0,0 0 0 0 0,0-1-1 0 0,1 1 1 0 0,-1 0 0 0 0,1-1-1 0 0,4 7 1 0 0,0 3-2 0 0,-4-8-505 0 0,1 0 0 0 0,0 0 0 0 0,1-1 0 0 0,6 12-1 0 0,-9-17 311 0 0,0 0 0 0 0,0 1 0 0 0,0-1-1 0 0,0 0 1 0 0,0 0 0 0 0,0 0 0 0 0,0 0-1 0 0,1 0 1 0 0,-1 0 0 0 0,0 0 0 0 0,1 0-1 0 0,-1 0 1 0 0,0 0 0 0 0,1-1 0 0 0,-1 1-1 0 0,1-1 1 0 0,-1 1 0 0 0,1-1 0 0 0,-1 1-1 0 0,1-1 1 0 0,0 0 0 0 0,-1 0 0 0 0,1 0-1 0 0,-1 0 1 0 0,1 0 0 0 0,-1 0 0 0 0,1 0-1 0 0,0-1 1 0 0,1 0 0 0 0,8-3-8469 0 0</inkml:trace>
+</inkml:ink>
 </file>
 
 <file path=ppt/notesMasters/notesMaster1.xml><?xml version="1.0" encoding="utf-8"?>
@@ -4290,6 +4994,1170 @@
           </a:p>
         </p:txBody>
       </p:sp>
+      <mc:AlternateContent xmlns:mc="http://schemas.openxmlformats.org/markup-compatibility/2006">
+        <mc:Choice xmlns:p14="http://schemas.microsoft.com/office/powerpoint/2010/main" Requires="p14">
+          <p:contentPart p14:bwMode="auto" r:id="rId2">
+            <p14:nvContentPartPr>
+              <p14:cNvPr id="4" name="Ink 3">
+                <a:extLst>
+                  <a:ext uri="{FF2B5EF4-FFF2-40B4-BE49-F238E27FC236}">
+                    <a16:creationId xmlns:a16="http://schemas.microsoft.com/office/drawing/2014/main" id="{B01DE6C2-7A1A-45BC-A74C-50E8BEF0E078}"/>
+                  </a:ext>
+                </a:extLst>
+              </p14:cNvPr>
+              <p14:cNvContentPartPr/>
+              <p14:nvPr/>
+            </p14:nvContentPartPr>
+            <p14:xfrm>
+              <a:off x="890569" y="1752019"/>
+              <a:ext cx="922320" cy="45360"/>
+            </p14:xfrm>
+          </p:contentPart>
+        </mc:Choice>
+        <mc:Fallback>
+          <p:pic>
+            <p:nvPicPr>
+              <p:cNvPr id="4" name="Ink 3">
+                <a:extLst>
+                  <a:ext uri="{FF2B5EF4-FFF2-40B4-BE49-F238E27FC236}">
+                    <a16:creationId xmlns:a16="http://schemas.microsoft.com/office/drawing/2014/main" id="{B01DE6C2-7A1A-45BC-A74C-50E8BEF0E078}"/>
+                  </a:ext>
+                </a:extLst>
+              </p:cNvPr>
+              <p:cNvPicPr/>
+              <p:nvPr/>
+            </p:nvPicPr>
+            <p:blipFill>
+              <a:blip r:embed="rId3"/>
+              <a:stretch>
+                <a:fillRect/>
+              </a:stretch>
+            </p:blipFill>
+            <p:spPr>
+              <a:xfrm>
+                <a:off x="881929" y="1743379"/>
+                <a:ext cx="939960" cy="63000"/>
+              </a:xfrm>
+              <a:prstGeom prst="rect">
+                <a:avLst/>
+              </a:prstGeom>
+            </p:spPr>
+          </p:pic>
+        </mc:Fallback>
+      </mc:AlternateContent>
+      <mc:AlternateContent xmlns:mc="http://schemas.openxmlformats.org/markup-compatibility/2006">
+        <mc:Choice xmlns:p14="http://schemas.microsoft.com/office/powerpoint/2010/main" Requires="p14">
+          <p:contentPart p14:bwMode="auto" r:id="rId4">
+            <p14:nvContentPartPr>
+              <p14:cNvPr id="5" name="Ink 4">
+                <a:extLst>
+                  <a:ext uri="{FF2B5EF4-FFF2-40B4-BE49-F238E27FC236}">
+                    <a16:creationId xmlns:a16="http://schemas.microsoft.com/office/drawing/2014/main" id="{989996FA-69CC-45DF-8600-FC9FF7C766BA}"/>
+                  </a:ext>
+                </a:extLst>
+              </p14:cNvPr>
+              <p14:cNvContentPartPr/>
+              <p14:nvPr/>
+            </p14:nvContentPartPr>
+            <p14:xfrm>
+              <a:off x="3960289" y="1711699"/>
+              <a:ext cx="828360" cy="50040"/>
+            </p14:xfrm>
+          </p:contentPart>
+        </mc:Choice>
+        <mc:Fallback>
+          <p:pic>
+            <p:nvPicPr>
+              <p:cNvPr id="5" name="Ink 4">
+                <a:extLst>
+                  <a:ext uri="{FF2B5EF4-FFF2-40B4-BE49-F238E27FC236}">
+                    <a16:creationId xmlns:a16="http://schemas.microsoft.com/office/drawing/2014/main" id="{989996FA-69CC-45DF-8600-FC9FF7C766BA}"/>
+                  </a:ext>
+                </a:extLst>
+              </p:cNvPr>
+              <p:cNvPicPr/>
+              <p:nvPr/>
+            </p:nvPicPr>
+            <p:blipFill>
+              <a:blip r:embed="rId5"/>
+              <a:stretch>
+                <a:fillRect/>
+              </a:stretch>
+            </p:blipFill>
+            <p:spPr>
+              <a:xfrm>
+                <a:off x="3951649" y="1702699"/>
+                <a:ext cx="846000" cy="67680"/>
+              </a:xfrm>
+              <a:prstGeom prst="rect">
+                <a:avLst/>
+              </a:prstGeom>
+            </p:spPr>
+          </p:pic>
+        </mc:Fallback>
+      </mc:AlternateContent>
+      <mc:AlternateContent xmlns:mc="http://schemas.openxmlformats.org/markup-compatibility/2006">
+        <mc:Choice xmlns:p14="http://schemas.microsoft.com/office/powerpoint/2010/main" Requires="p14">
+          <p:contentPart p14:bwMode="auto" r:id="rId6">
+            <p14:nvContentPartPr>
+              <p14:cNvPr id="6" name="Ink 5">
+                <a:extLst>
+                  <a:ext uri="{FF2B5EF4-FFF2-40B4-BE49-F238E27FC236}">
+                    <a16:creationId xmlns:a16="http://schemas.microsoft.com/office/drawing/2014/main" id="{3603A608-6E93-4F7A-B215-9D52EE63BB3B}"/>
+                  </a:ext>
+                </a:extLst>
+              </p14:cNvPr>
+              <p14:cNvContentPartPr/>
+              <p14:nvPr/>
+            </p14:nvContentPartPr>
+            <p14:xfrm>
+              <a:off x="2460529" y="2143699"/>
+              <a:ext cx="862560" cy="27000"/>
+            </p14:xfrm>
+          </p:contentPart>
+        </mc:Choice>
+        <mc:Fallback>
+          <p:pic>
+            <p:nvPicPr>
+              <p:cNvPr id="6" name="Ink 5">
+                <a:extLst>
+                  <a:ext uri="{FF2B5EF4-FFF2-40B4-BE49-F238E27FC236}">
+                    <a16:creationId xmlns:a16="http://schemas.microsoft.com/office/drawing/2014/main" id="{3603A608-6E93-4F7A-B215-9D52EE63BB3B}"/>
+                  </a:ext>
+                </a:extLst>
+              </p:cNvPr>
+              <p:cNvPicPr/>
+              <p:nvPr/>
+            </p:nvPicPr>
+            <p:blipFill>
+              <a:blip r:embed="rId7"/>
+              <a:stretch>
+                <a:fillRect/>
+              </a:stretch>
+            </p:blipFill>
+            <p:spPr>
+              <a:xfrm>
+                <a:off x="2451529" y="2134699"/>
+                <a:ext cx="880200" cy="44640"/>
+              </a:xfrm>
+              <a:prstGeom prst="rect">
+                <a:avLst/>
+              </a:prstGeom>
+            </p:spPr>
+          </p:pic>
+        </mc:Fallback>
+      </mc:AlternateContent>
+      <p:grpSp>
+        <p:nvGrpSpPr>
+          <p:cNvPr id="22" name="Group 21">
+            <a:extLst>
+              <a:ext uri="{FF2B5EF4-FFF2-40B4-BE49-F238E27FC236}">
+                <a16:creationId xmlns:a16="http://schemas.microsoft.com/office/drawing/2014/main" id="{69B55B07-1F53-41F6-ADEE-76797AD9D9D3}"/>
+              </a:ext>
+            </a:extLst>
+          </p:cNvPr>
+          <p:cNvGrpSpPr/>
+          <p:nvPr/>
+        </p:nvGrpSpPr>
+        <p:grpSpPr>
+          <a:xfrm>
+            <a:off x="1529209" y="4057459"/>
+            <a:ext cx="1872720" cy="344520"/>
+            <a:chOff x="1529209" y="4057459"/>
+            <a:chExt cx="1872720" cy="344520"/>
+          </a:xfrm>
+        </p:grpSpPr>
+        <mc:AlternateContent xmlns:mc="http://schemas.openxmlformats.org/markup-compatibility/2006">
+          <mc:Choice xmlns:p14="http://schemas.microsoft.com/office/powerpoint/2010/main" Requires="p14">
+            <p:contentPart p14:bwMode="auto" r:id="rId8">
+              <p14:nvContentPartPr>
+                <p14:cNvPr id="11" name="Ink 10">
+                  <a:extLst>
+                    <a:ext uri="{FF2B5EF4-FFF2-40B4-BE49-F238E27FC236}">
+                      <a16:creationId xmlns:a16="http://schemas.microsoft.com/office/drawing/2014/main" id="{9C84F291-F31F-4BD5-A66B-E8794A5B0748}"/>
+                    </a:ext>
+                  </a:extLst>
+                </p14:cNvPr>
+                <p14:cNvContentPartPr/>
+                <p14:nvPr/>
+              </p14:nvContentPartPr>
+              <p14:xfrm>
+                <a:off x="1529209" y="4080139"/>
+                <a:ext cx="166320" cy="18000"/>
+              </p14:xfrm>
+            </p:contentPart>
+          </mc:Choice>
+          <mc:Fallback>
+            <p:pic>
+              <p:nvPicPr>
+                <p:cNvPr id="11" name="Ink 10">
+                  <a:extLst>
+                    <a:ext uri="{FF2B5EF4-FFF2-40B4-BE49-F238E27FC236}">
+                      <a16:creationId xmlns:a16="http://schemas.microsoft.com/office/drawing/2014/main" id="{9C84F291-F31F-4BD5-A66B-E8794A5B0748}"/>
+                    </a:ext>
+                  </a:extLst>
+                </p:cNvPr>
+                <p:cNvPicPr/>
+                <p:nvPr/>
+              </p:nvPicPr>
+              <p:blipFill>
+                <a:blip r:embed="rId9"/>
+                <a:stretch>
+                  <a:fillRect/>
+                </a:stretch>
+              </p:blipFill>
+              <p:spPr>
+                <a:xfrm>
+                  <a:off x="1520209" y="4071139"/>
+                  <a:ext cx="183960" cy="35640"/>
+                </a:xfrm>
+                <a:prstGeom prst="rect">
+                  <a:avLst/>
+                </a:prstGeom>
+              </p:spPr>
+            </p:pic>
+          </mc:Fallback>
+        </mc:AlternateContent>
+        <mc:AlternateContent xmlns:mc="http://schemas.openxmlformats.org/markup-compatibility/2006">
+          <mc:Choice xmlns:p14="http://schemas.microsoft.com/office/powerpoint/2010/main" Requires="p14">
+            <p:contentPart p14:bwMode="auto" r:id="rId10">
+              <p14:nvContentPartPr>
+                <p14:cNvPr id="12" name="Ink 11">
+                  <a:extLst>
+                    <a:ext uri="{FF2B5EF4-FFF2-40B4-BE49-F238E27FC236}">
+                      <a16:creationId xmlns:a16="http://schemas.microsoft.com/office/drawing/2014/main" id="{95AF4F20-89C9-4E43-8A53-6FDBF2D4D762}"/>
+                    </a:ext>
+                  </a:extLst>
+                </p14:cNvPr>
+                <p14:cNvContentPartPr/>
+                <p14:nvPr/>
+              </p14:nvContentPartPr>
+              <p14:xfrm>
+                <a:off x="1566289" y="4057459"/>
+                <a:ext cx="100080" cy="265680"/>
+              </p14:xfrm>
+            </p:contentPart>
+          </mc:Choice>
+          <mc:Fallback>
+            <p:pic>
+              <p:nvPicPr>
+                <p:cNvPr id="12" name="Ink 11">
+                  <a:extLst>
+                    <a:ext uri="{FF2B5EF4-FFF2-40B4-BE49-F238E27FC236}">
+                      <a16:creationId xmlns:a16="http://schemas.microsoft.com/office/drawing/2014/main" id="{95AF4F20-89C9-4E43-8A53-6FDBF2D4D762}"/>
+                    </a:ext>
+                  </a:extLst>
+                </p:cNvPr>
+                <p:cNvPicPr/>
+                <p:nvPr/>
+              </p:nvPicPr>
+              <p:blipFill>
+                <a:blip r:embed="rId11"/>
+                <a:stretch>
+                  <a:fillRect/>
+                </a:stretch>
+              </p:blipFill>
+              <p:spPr>
+                <a:xfrm>
+                  <a:off x="1557289" y="4048819"/>
+                  <a:ext cx="117720" cy="283320"/>
+                </a:xfrm>
+                <a:prstGeom prst="rect">
+                  <a:avLst/>
+                </a:prstGeom>
+              </p:spPr>
+            </p:pic>
+          </mc:Fallback>
+        </mc:AlternateContent>
+        <mc:AlternateContent xmlns:mc="http://schemas.openxmlformats.org/markup-compatibility/2006">
+          <mc:Choice xmlns:p14="http://schemas.microsoft.com/office/powerpoint/2010/main" Requires="p14">
+            <p:contentPart p14:bwMode="auto" r:id="rId12">
+              <p14:nvContentPartPr>
+                <p14:cNvPr id="13" name="Ink 12">
+                  <a:extLst>
+                    <a:ext uri="{FF2B5EF4-FFF2-40B4-BE49-F238E27FC236}">
+                      <a16:creationId xmlns:a16="http://schemas.microsoft.com/office/drawing/2014/main" id="{8E25C4E0-711B-4D45-B85E-14090188F693}"/>
+                    </a:ext>
+                  </a:extLst>
+                </p14:cNvPr>
+                <p14:cNvContentPartPr/>
+                <p14:nvPr/>
+              </p14:nvContentPartPr>
+              <p14:xfrm>
+                <a:off x="1705249" y="4184539"/>
+                <a:ext cx="264600" cy="128880"/>
+              </p14:xfrm>
+            </p:contentPart>
+          </mc:Choice>
+          <mc:Fallback>
+            <p:pic>
+              <p:nvPicPr>
+                <p:cNvPr id="13" name="Ink 12">
+                  <a:extLst>
+                    <a:ext uri="{FF2B5EF4-FFF2-40B4-BE49-F238E27FC236}">
+                      <a16:creationId xmlns:a16="http://schemas.microsoft.com/office/drawing/2014/main" id="{8E25C4E0-711B-4D45-B85E-14090188F693}"/>
+                    </a:ext>
+                  </a:extLst>
+                </p:cNvPr>
+                <p:cNvPicPr/>
+                <p:nvPr/>
+              </p:nvPicPr>
+              <p:blipFill>
+                <a:blip r:embed="rId13"/>
+                <a:stretch>
+                  <a:fillRect/>
+                </a:stretch>
+              </p:blipFill>
+              <p:spPr>
+                <a:xfrm>
+                  <a:off x="1696609" y="4175899"/>
+                  <a:ext cx="282240" cy="146520"/>
+                </a:xfrm>
+                <a:prstGeom prst="rect">
+                  <a:avLst/>
+                </a:prstGeom>
+              </p:spPr>
+            </p:pic>
+          </mc:Fallback>
+        </mc:AlternateContent>
+        <mc:AlternateContent xmlns:mc="http://schemas.openxmlformats.org/markup-compatibility/2006">
+          <mc:Choice xmlns:p14="http://schemas.microsoft.com/office/powerpoint/2010/main" Requires="p14">
+            <p:contentPart p14:bwMode="auto" r:id="rId14">
+              <p14:nvContentPartPr>
+                <p14:cNvPr id="14" name="Ink 13">
+                  <a:extLst>
+                    <a:ext uri="{FF2B5EF4-FFF2-40B4-BE49-F238E27FC236}">
+                      <a16:creationId xmlns:a16="http://schemas.microsoft.com/office/drawing/2014/main" id="{75478C07-B054-4FCD-BB45-B2FBCBD9715D}"/>
+                    </a:ext>
+                  </a:extLst>
+                </p14:cNvPr>
+                <p14:cNvContentPartPr/>
+                <p14:nvPr/>
+              </p14:nvContentPartPr>
+              <p14:xfrm>
+                <a:off x="2049409" y="4185259"/>
+                <a:ext cx="62640" cy="138960"/>
+              </p14:xfrm>
+            </p:contentPart>
+          </mc:Choice>
+          <mc:Fallback>
+            <p:pic>
+              <p:nvPicPr>
+                <p:cNvPr id="14" name="Ink 13">
+                  <a:extLst>
+                    <a:ext uri="{FF2B5EF4-FFF2-40B4-BE49-F238E27FC236}">
+                      <a16:creationId xmlns:a16="http://schemas.microsoft.com/office/drawing/2014/main" id="{75478C07-B054-4FCD-BB45-B2FBCBD9715D}"/>
+                    </a:ext>
+                  </a:extLst>
+                </p:cNvPr>
+                <p:cNvPicPr/>
+                <p:nvPr/>
+              </p:nvPicPr>
+              <p:blipFill>
+                <a:blip r:embed="rId15"/>
+                <a:stretch>
+                  <a:fillRect/>
+                </a:stretch>
+              </p:blipFill>
+              <p:spPr>
+                <a:xfrm>
+                  <a:off x="2040409" y="4176619"/>
+                  <a:ext cx="80280" cy="156600"/>
+                </a:xfrm>
+                <a:prstGeom prst="rect">
+                  <a:avLst/>
+                </a:prstGeom>
+              </p:spPr>
+            </p:pic>
+          </mc:Fallback>
+        </mc:AlternateContent>
+        <mc:AlternateContent xmlns:mc="http://schemas.openxmlformats.org/markup-compatibility/2006">
+          <mc:Choice xmlns:p14="http://schemas.microsoft.com/office/powerpoint/2010/main" Requires="p14">
+            <p:contentPart p14:bwMode="auto" r:id="rId16">
+              <p14:nvContentPartPr>
+                <p14:cNvPr id="15" name="Ink 14">
+                  <a:extLst>
+                    <a:ext uri="{FF2B5EF4-FFF2-40B4-BE49-F238E27FC236}">
+                      <a16:creationId xmlns:a16="http://schemas.microsoft.com/office/drawing/2014/main" id="{2618845B-782A-44DD-A325-49FE88F0AE45}"/>
+                    </a:ext>
+                  </a:extLst>
+                </p14:cNvPr>
+                <p14:cNvContentPartPr/>
+                <p14:nvPr/>
+              </p14:nvContentPartPr>
+              <p14:xfrm>
+                <a:off x="2163529" y="4100659"/>
+                <a:ext cx="105840" cy="192600"/>
+              </p14:xfrm>
+            </p:contentPart>
+          </mc:Choice>
+          <mc:Fallback>
+            <p:pic>
+              <p:nvPicPr>
+                <p:cNvPr id="15" name="Ink 14">
+                  <a:extLst>
+                    <a:ext uri="{FF2B5EF4-FFF2-40B4-BE49-F238E27FC236}">
+                      <a16:creationId xmlns:a16="http://schemas.microsoft.com/office/drawing/2014/main" id="{2618845B-782A-44DD-A325-49FE88F0AE45}"/>
+                    </a:ext>
+                  </a:extLst>
+                </p:cNvPr>
+                <p:cNvPicPr/>
+                <p:nvPr/>
+              </p:nvPicPr>
+              <p:blipFill>
+                <a:blip r:embed="rId17"/>
+                <a:stretch>
+                  <a:fillRect/>
+                </a:stretch>
+              </p:blipFill>
+              <p:spPr>
+                <a:xfrm>
+                  <a:off x="2154529" y="4092019"/>
+                  <a:ext cx="123480" cy="210240"/>
+                </a:xfrm>
+                <a:prstGeom prst="rect">
+                  <a:avLst/>
+                </a:prstGeom>
+              </p:spPr>
+            </p:pic>
+          </mc:Fallback>
+        </mc:AlternateContent>
+        <mc:AlternateContent xmlns:mc="http://schemas.openxmlformats.org/markup-compatibility/2006">
+          <mc:Choice xmlns:p14="http://schemas.microsoft.com/office/powerpoint/2010/main" Requires="p14">
+            <p:contentPart p14:bwMode="auto" r:id="rId18">
+              <p14:nvContentPartPr>
+                <p14:cNvPr id="16" name="Ink 15">
+                  <a:extLst>
+                    <a:ext uri="{FF2B5EF4-FFF2-40B4-BE49-F238E27FC236}">
+                      <a16:creationId xmlns:a16="http://schemas.microsoft.com/office/drawing/2014/main" id="{10A348BC-39E2-4721-8597-0BD478A11C43}"/>
+                    </a:ext>
+                  </a:extLst>
+                </p14:cNvPr>
+                <p14:cNvContentPartPr/>
+                <p14:nvPr/>
+              </p14:nvContentPartPr>
+              <p14:xfrm>
+                <a:off x="2294209" y="4198939"/>
+                <a:ext cx="97200" cy="89280"/>
+              </p14:xfrm>
+            </p:contentPart>
+          </mc:Choice>
+          <mc:Fallback>
+            <p:pic>
+              <p:nvPicPr>
+                <p:cNvPr id="16" name="Ink 15">
+                  <a:extLst>
+                    <a:ext uri="{FF2B5EF4-FFF2-40B4-BE49-F238E27FC236}">
+                      <a16:creationId xmlns:a16="http://schemas.microsoft.com/office/drawing/2014/main" id="{10A348BC-39E2-4721-8597-0BD478A11C43}"/>
+                    </a:ext>
+                  </a:extLst>
+                </p:cNvPr>
+                <p:cNvPicPr/>
+                <p:nvPr/>
+              </p:nvPicPr>
+              <p:blipFill>
+                <a:blip r:embed="rId19"/>
+                <a:stretch>
+                  <a:fillRect/>
+                </a:stretch>
+              </p:blipFill>
+              <p:spPr>
+                <a:xfrm>
+                  <a:off x="2285209" y="4189939"/>
+                  <a:ext cx="114840" cy="106920"/>
+                </a:xfrm>
+                <a:prstGeom prst="rect">
+                  <a:avLst/>
+                </a:prstGeom>
+              </p:spPr>
+            </p:pic>
+          </mc:Fallback>
+        </mc:AlternateContent>
+        <mc:AlternateContent xmlns:mc="http://schemas.openxmlformats.org/markup-compatibility/2006">
+          <mc:Choice xmlns:p14="http://schemas.microsoft.com/office/powerpoint/2010/main" Requires="p14">
+            <p:contentPart p14:bwMode="auto" r:id="rId20">
+              <p14:nvContentPartPr>
+                <p14:cNvPr id="17" name="Ink 16">
+                  <a:extLst>
+                    <a:ext uri="{FF2B5EF4-FFF2-40B4-BE49-F238E27FC236}">
+                      <a16:creationId xmlns:a16="http://schemas.microsoft.com/office/drawing/2014/main" id="{77B2E3E3-BECD-48F4-B38A-CA175749693A}"/>
+                    </a:ext>
+                  </a:extLst>
+                </p14:cNvPr>
+                <p14:cNvContentPartPr/>
+                <p14:nvPr/>
+              </p14:nvContentPartPr>
+              <p14:xfrm>
+                <a:off x="2381329" y="4230259"/>
+                <a:ext cx="116280" cy="171720"/>
+              </p14:xfrm>
+            </p:contentPart>
+          </mc:Choice>
+          <mc:Fallback>
+            <p:pic>
+              <p:nvPicPr>
+                <p:cNvPr id="17" name="Ink 16">
+                  <a:extLst>
+                    <a:ext uri="{FF2B5EF4-FFF2-40B4-BE49-F238E27FC236}">
+                      <a16:creationId xmlns:a16="http://schemas.microsoft.com/office/drawing/2014/main" id="{77B2E3E3-BECD-48F4-B38A-CA175749693A}"/>
+                    </a:ext>
+                  </a:extLst>
+                </p:cNvPr>
+                <p:cNvPicPr/>
+                <p:nvPr/>
+              </p:nvPicPr>
+              <p:blipFill>
+                <a:blip r:embed="rId21"/>
+                <a:stretch>
+                  <a:fillRect/>
+                </a:stretch>
+              </p:blipFill>
+              <p:spPr>
+                <a:xfrm>
+                  <a:off x="2372689" y="4221619"/>
+                  <a:ext cx="133920" cy="189360"/>
+                </a:xfrm>
+                <a:prstGeom prst="rect">
+                  <a:avLst/>
+                </a:prstGeom>
+              </p:spPr>
+            </p:pic>
+          </mc:Fallback>
+        </mc:AlternateContent>
+        <mc:AlternateContent xmlns:mc="http://schemas.openxmlformats.org/markup-compatibility/2006">
+          <mc:Choice xmlns:p14="http://schemas.microsoft.com/office/powerpoint/2010/main" Requires="p14">
+            <p:contentPart p14:bwMode="auto" r:id="rId22">
+              <p14:nvContentPartPr>
+                <p14:cNvPr id="18" name="Ink 17">
+                  <a:extLst>
+                    <a:ext uri="{FF2B5EF4-FFF2-40B4-BE49-F238E27FC236}">
+                      <a16:creationId xmlns:a16="http://schemas.microsoft.com/office/drawing/2014/main" id="{82036695-B6BC-4CA1-9E14-78B6F6E6F557}"/>
+                    </a:ext>
+                  </a:extLst>
+                </p14:cNvPr>
+                <p14:cNvContentPartPr/>
+                <p14:nvPr/>
+              </p14:nvContentPartPr>
+              <p14:xfrm>
+                <a:off x="2668609" y="4095979"/>
+                <a:ext cx="170640" cy="238320"/>
+              </p14:xfrm>
+            </p:contentPart>
+          </mc:Choice>
+          <mc:Fallback>
+            <p:pic>
+              <p:nvPicPr>
+                <p:cNvPr id="18" name="Ink 17">
+                  <a:extLst>
+                    <a:ext uri="{FF2B5EF4-FFF2-40B4-BE49-F238E27FC236}">
+                      <a16:creationId xmlns:a16="http://schemas.microsoft.com/office/drawing/2014/main" id="{82036695-B6BC-4CA1-9E14-78B6F6E6F557}"/>
+                    </a:ext>
+                  </a:extLst>
+                </p:cNvPr>
+                <p:cNvPicPr/>
+                <p:nvPr/>
+              </p:nvPicPr>
+              <p:blipFill>
+                <a:blip r:embed="rId23"/>
+                <a:stretch>
+                  <a:fillRect/>
+                </a:stretch>
+              </p:blipFill>
+              <p:spPr>
+                <a:xfrm>
+                  <a:off x="2659609" y="4086979"/>
+                  <a:ext cx="188280" cy="255960"/>
+                </a:xfrm>
+                <a:prstGeom prst="rect">
+                  <a:avLst/>
+                </a:prstGeom>
+              </p:spPr>
+            </p:pic>
+          </mc:Fallback>
+        </mc:AlternateContent>
+        <mc:AlternateContent xmlns:mc="http://schemas.openxmlformats.org/markup-compatibility/2006">
+          <mc:Choice xmlns:p14="http://schemas.microsoft.com/office/powerpoint/2010/main" Requires="p14">
+            <p:contentPart p14:bwMode="auto" r:id="rId24">
+              <p14:nvContentPartPr>
+                <p14:cNvPr id="19" name="Ink 18">
+                  <a:extLst>
+                    <a:ext uri="{FF2B5EF4-FFF2-40B4-BE49-F238E27FC236}">
+                      <a16:creationId xmlns:a16="http://schemas.microsoft.com/office/drawing/2014/main" id="{271BB8F6-F899-4B88-8059-5BE621022505}"/>
+                    </a:ext>
+                  </a:extLst>
+                </p14:cNvPr>
+                <p14:cNvContentPartPr/>
+                <p14:nvPr/>
+              </p14:nvContentPartPr>
+              <p14:xfrm>
+                <a:off x="2973889" y="4095619"/>
+                <a:ext cx="109080" cy="217080"/>
+              </p14:xfrm>
+            </p:contentPart>
+          </mc:Choice>
+          <mc:Fallback>
+            <p:pic>
+              <p:nvPicPr>
+                <p:cNvPr id="19" name="Ink 18">
+                  <a:extLst>
+                    <a:ext uri="{FF2B5EF4-FFF2-40B4-BE49-F238E27FC236}">
+                      <a16:creationId xmlns:a16="http://schemas.microsoft.com/office/drawing/2014/main" id="{271BB8F6-F899-4B88-8059-5BE621022505}"/>
+                    </a:ext>
+                  </a:extLst>
+                </p:cNvPr>
+                <p:cNvPicPr/>
+                <p:nvPr/>
+              </p:nvPicPr>
+              <p:blipFill>
+                <a:blip r:embed="rId25"/>
+                <a:stretch>
+                  <a:fillRect/>
+                </a:stretch>
+              </p:blipFill>
+              <p:spPr>
+                <a:xfrm>
+                  <a:off x="2964889" y="4086619"/>
+                  <a:ext cx="126720" cy="234720"/>
+                </a:xfrm>
+                <a:prstGeom prst="rect">
+                  <a:avLst/>
+                </a:prstGeom>
+              </p:spPr>
+            </p:pic>
+          </mc:Fallback>
+        </mc:AlternateContent>
+        <mc:AlternateContent xmlns:mc="http://schemas.openxmlformats.org/markup-compatibility/2006">
+          <mc:Choice xmlns:p14="http://schemas.microsoft.com/office/powerpoint/2010/main" Requires="p14">
+            <p:contentPart p14:bwMode="auto" r:id="rId26">
+              <p14:nvContentPartPr>
+                <p14:cNvPr id="20" name="Ink 19">
+                  <a:extLst>
+                    <a:ext uri="{FF2B5EF4-FFF2-40B4-BE49-F238E27FC236}">
+                      <a16:creationId xmlns:a16="http://schemas.microsoft.com/office/drawing/2014/main" id="{7781D5B2-1DFE-43AD-B699-9DF6AD7095E3}"/>
+                    </a:ext>
+                  </a:extLst>
+                </p14:cNvPr>
+                <p14:cNvContentPartPr/>
+                <p14:nvPr/>
+              </p14:nvContentPartPr>
+              <p14:xfrm>
+                <a:off x="3115369" y="4178779"/>
+                <a:ext cx="101160" cy="216720"/>
+              </p14:xfrm>
+            </p:contentPart>
+          </mc:Choice>
+          <mc:Fallback>
+            <p:pic>
+              <p:nvPicPr>
+                <p:cNvPr id="20" name="Ink 19">
+                  <a:extLst>
+                    <a:ext uri="{FF2B5EF4-FFF2-40B4-BE49-F238E27FC236}">
+                      <a16:creationId xmlns:a16="http://schemas.microsoft.com/office/drawing/2014/main" id="{7781D5B2-1DFE-43AD-B699-9DF6AD7095E3}"/>
+                    </a:ext>
+                  </a:extLst>
+                </p:cNvPr>
+                <p:cNvPicPr/>
+                <p:nvPr/>
+              </p:nvPicPr>
+              <p:blipFill>
+                <a:blip r:embed="rId27"/>
+                <a:stretch>
+                  <a:fillRect/>
+                </a:stretch>
+              </p:blipFill>
+              <p:spPr>
+                <a:xfrm>
+                  <a:off x="3106729" y="4170139"/>
+                  <a:ext cx="118800" cy="234360"/>
+                </a:xfrm>
+                <a:prstGeom prst="rect">
+                  <a:avLst/>
+                </a:prstGeom>
+              </p:spPr>
+            </p:pic>
+          </mc:Fallback>
+        </mc:AlternateContent>
+        <mc:AlternateContent xmlns:mc="http://schemas.openxmlformats.org/markup-compatibility/2006">
+          <mc:Choice xmlns:p14="http://schemas.microsoft.com/office/powerpoint/2010/main" Requires="p14">
+            <p:contentPart p14:bwMode="auto" r:id="rId28">
+              <p14:nvContentPartPr>
+                <p14:cNvPr id="21" name="Ink 20">
+                  <a:extLst>
+                    <a:ext uri="{FF2B5EF4-FFF2-40B4-BE49-F238E27FC236}">
+                      <a16:creationId xmlns:a16="http://schemas.microsoft.com/office/drawing/2014/main" id="{794ABEEF-1396-40A7-AB22-35C9B4869E9F}"/>
+                    </a:ext>
+                  </a:extLst>
+                </p14:cNvPr>
+                <p14:cNvContentPartPr/>
+                <p14:nvPr/>
+              </p14:nvContentPartPr>
+              <p14:xfrm>
+                <a:off x="3257569" y="4207219"/>
+                <a:ext cx="144360" cy="98640"/>
+              </p14:xfrm>
+            </p:contentPart>
+          </mc:Choice>
+          <mc:Fallback>
+            <p:pic>
+              <p:nvPicPr>
+                <p:cNvPr id="21" name="Ink 20">
+                  <a:extLst>
+                    <a:ext uri="{FF2B5EF4-FFF2-40B4-BE49-F238E27FC236}">
+                      <a16:creationId xmlns:a16="http://schemas.microsoft.com/office/drawing/2014/main" id="{794ABEEF-1396-40A7-AB22-35C9B4869E9F}"/>
+                    </a:ext>
+                  </a:extLst>
+                </p:cNvPr>
+                <p:cNvPicPr/>
+                <p:nvPr/>
+              </p:nvPicPr>
+              <p:blipFill>
+                <a:blip r:embed="rId29"/>
+                <a:stretch>
+                  <a:fillRect/>
+                </a:stretch>
+              </p:blipFill>
+              <p:spPr>
+                <a:xfrm>
+                  <a:off x="3248569" y="4198219"/>
+                  <a:ext cx="162000" cy="116280"/>
+                </a:xfrm>
+                <a:prstGeom prst="rect">
+                  <a:avLst/>
+                </a:prstGeom>
+              </p:spPr>
+            </p:pic>
+          </mc:Fallback>
+        </mc:AlternateContent>
+      </p:grpSp>
+      <p:grpSp>
+        <p:nvGrpSpPr>
+          <p:cNvPr id="25" name="Group 24">
+            <a:extLst>
+              <a:ext uri="{FF2B5EF4-FFF2-40B4-BE49-F238E27FC236}">
+                <a16:creationId xmlns:a16="http://schemas.microsoft.com/office/drawing/2014/main" id="{C2D3492A-9CE5-4305-80E8-8DCB5D264078}"/>
+              </a:ext>
+            </a:extLst>
+          </p:cNvPr>
+          <p:cNvGrpSpPr/>
+          <p:nvPr/>
+        </p:nvGrpSpPr>
+        <p:grpSpPr>
+          <a:xfrm>
+            <a:off x="1563049" y="3533659"/>
+            <a:ext cx="944640" cy="382680"/>
+            <a:chOff x="1563049" y="3533659"/>
+            <a:chExt cx="944640" cy="382680"/>
+          </a:xfrm>
+        </p:grpSpPr>
+        <mc:AlternateContent xmlns:mc="http://schemas.openxmlformats.org/markup-compatibility/2006">
+          <mc:Choice xmlns:p14="http://schemas.microsoft.com/office/powerpoint/2010/main" Requires="p14">
+            <p:contentPart p14:bwMode="auto" r:id="rId30">
+              <p14:nvContentPartPr>
+                <p14:cNvPr id="7" name="Ink 6">
+                  <a:extLst>
+                    <a:ext uri="{FF2B5EF4-FFF2-40B4-BE49-F238E27FC236}">
+                      <a16:creationId xmlns:a16="http://schemas.microsoft.com/office/drawing/2014/main" id="{16F5845E-DC80-4EE3-9215-97F1A246EE5E}"/>
+                    </a:ext>
+                  </a:extLst>
+                </p14:cNvPr>
+                <p14:cNvContentPartPr/>
+                <p14:nvPr/>
+              </p14:nvContentPartPr>
+              <p14:xfrm>
+                <a:off x="1563049" y="3533659"/>
+                <a:ext cx="944640" cy="25560"/>
+              </p14:xfrm>
+            </p:contentPart>
+          </mc:Choice>
+          <mc:Fallback>
+            <p:pic>
+              <p:nvPicPr>
+                <p:cNvPr id="7" name="Ink 6">
+                  <a:extLst>
+                    <a:ext uri="{FF2B5EF4-FFF2-40B4-BE49-F238E27FC236}">
+                      <a16:creationId xmlns:a16="http://schemas.microsoft.com/office/drawing/2014/main" id="{16F5845E-DC80-4EE3-9215-97F1A246EE5E}"/>
+                    </a:ext>
+                  </a:extLst>
+                </p:cNvPr>
+                <p:cNvPicPr/>
+                <p:nvPr/>
+              </p:nvPicPr>
+              <p:blipFill>
+                <a:blip r:embed="rId31"/>
+                <a:stretch>
+                  <a:fillRect/>
+                </a:stretch>
+              </p:blipFill>
+              <p:spPr>
+                <a:xfrm>
+                  <a:off x="1554409" y="3525019"/>
+                  <a:ext cx="962280" cy="43200"/>
+                </a:xfrm>
+                <a:prstGeom prst="rect">
+                  <a:avLst/>
+                </a:prstGeom>
+              </p:spPr>
+            </p:pic>
+          </mc:Fallback>
+        </mc:AlternateContent>
+        <mc:AlternateContent xmlns:mc="http://schemas.openxmlformats.org/markup-compatibility/2006">
+          <mc:Choice xmlns:p14="http://schemas.microsoft.com/office/powerpoint/2010/main" Requires="p14">
+            <p:contentPart p14:bwMode="auto" r:id="rId32">
+              <p14:nvContentPartPr>
+                <p14:cNvPr id="8" name="Ink 7">
+                  <a:extLst>
+                    <a:ext uri="{FF2B5EF4-FFF2-40B4-BE49-F238E27FC236}">
+                      <a16:creationId xmlns:a16="http://schemas.microsoft.com/office/drawing/2014/main" id="{823ABB1B-1E61-4954-A95F-E84F34075E92}"/>
+                    </a:ext>
+                  </a:extLst>
+                </p14:cNvPr>
+                <p14:cNvContentPartPr/>
+                <p14:nvPr/>
+              </p14:nvContentPartPr>
+              <p14:xfrm>
+                <a:off x="1921249" y="3670819"/>
+                <a:ext cx="48600" cy="245520"/>
+              </p14:xfrm>
+            </p:contentPart>
+          </mc:Choice>
+          <mc:Fallback>
+            <p:pic>
+              <p:nvPicPr>
+                <p:cNvPr id="8" name="Ink 7">
+                  <a:extLst>
+                    <a:ext uri="{FF2B5EF4-FFF2-40B4-BE49-F238E27FC236}">
+                      <a16:creationId xmlns:a16="http://schemas.microsoft.com/office/drawing/2014/main" id="{823ABB1B-1E61-4954-A95F-E84F34075E92}"/>
+                    </a:ext>
+                  </a:extLst>
+                </p:cNvPr>
+                <p:cNvPicPr/>
+                <p:nvPr/>
+              </p:nvPicPr>
+              <p:blipFill>
+                <a:blip r:embed="rId33"/>
+                <a:stretch>
+                  <a:fillRect/>
+                </a:stretch>
+              </p:blipFill>
+              <p:spPr>
+                <a:xfrm>
+                  <a:off x="1912609" y="3662179"/>
+                  <a:ext cx="66240" cy="263160"/>
+                </a:xfrm>
+                <a:prstGeom prst="rect">
+                  <a:avLst/>
+                </a:prstGeom>
+              </p:spPr>
+            </p:pic>
+          </mc:Fallback>
+        </mc:AlternateContent>
+        <mc:AlternateContent xmlns:mc="http://schemas.openxmlformats.org/markup-compatibility/2006">
+          <mc:Choice xmlns:p14="http://schemas.microsoft.com/office/powerpoint/2010/main" Requires="p14">
+            <p:contentPart p14:bwMode="auto" r:id="rId34">
+              <p14:nvContentPartPr>
+                <p14:cNvPr id="9" name="Ink 8">
+                  <a:extLst>
+                    <a:ext uri="{FF2B5EF4-FFF2-40B4-BE49-F238E27FC236}">
+                      <a16:creationId xmlns:a16="http://schemas.microsoft.com/office/drawing/2014/main" id="{56CD08F8-7318-4356-B3D5-EED0B1E466B0}"/>
+                    </a:ext>
+                  </a:extLst>
+                </p14:cNvPr>
+                <p14:cNvContentPartPr/>
+                <p14:nvPr/>
+              </p14:nvContentPartPr>
+              <p14:xfrm>
+                <a:off x="1872649" y="3669739"/>
+                <a:ext cx="151200" cy="69120"/>
+              </p14:xfrm>
+            </p:contentPart>
+          </mc:Choice>
+          <mc:Fallback>
+            <p:pic>
+              <p:nvPicPr>
+                <p:cNvPr id="9" name="Ink 8">
+                  <a:extLst>
+                    <a:ext uri="{FF2B5EF4-FFF2-40B4-BE49-F238E27FC236}">
+                      <a16:creationId xmlns:a16="http://schemas.microsoft.com/office/drawing/2014/main" id="{56CD08F8-7318-4356-B3D5-EED0B1E466B0}"/>
+                    </a:ext>
+                  </a:extLst>
+                </p:cNvPr>
+                <p:cNvPicPr/>
+                <p:nvPr/>
+              </p:nvPicPr>
+              <p:blipFill>
+                <a:blip r:embed="rId35"/>
+                <a:stretch>
+                  <a:fillRect/>
+                </a:stretch>
+              </p:blipFill>
+              <p:spPr>
+                <a:xfrm>
+                  <a:off x="1863649" y="3660739"/>
+                  <a:ext cx="168840" cy="86760"/>
+                </a:xfrm>
+                <a:prstGeom prst="rect">
+                  <a:avLst/>
+                </a:prstGeom>
+              </p:spPr>
+            </p:pic>
+          </mc:Fallback>
+        </mc:AlternateContent>
+        <mc:AlternateContent xmlns:mc="http://schemas.openxmlformats.org/markup-compatibility/2006">
+          <mc:Choice xmlns:p14="http://schemas.microsoft.com/office/powerpoint/2010/main" Requires="p14">
+            <p:contentPart p14:bwMode="auto" r:id="rId36">
+              <p14:nvContentPartPr>
+                <p14:cNvPr id="23" name="Ink 22">
+                  <a:extLst>
+                    <a:ext uri="{FF2B5EF4-FFF2-40B4-BE49-F238E27FC236}">
+                      <a16:creationId xmlns:a16="http://schemas.microsoft.com/office/drawing/2014/main" id="{45E9FF1D-9F54-4C57-B237-30C179624C55}"/>
+                    </a:ext>
+                  </a:extLst>
+                </p14:cNvPr>
+                <p14:cNvContentPartPr/>
+                <p14:nvPr/>
+              </p14:nvContentPartPr>
+              <p14:xfrm>
+                <a:off x="1638649" y="3658939"/>
+                <a:ext cx="45720" cy="230040"/>
+              </p14:xfrm>
+            </p:contentPart>
+          </mc:Choice>
+          <mc:Fallback>
+            <p:pic>
+              <p:nvPicPr>
+                <p:cNvPr id="23" name="Ink 22">
+                  <a:extLst>
+                    <a:ext uri="{FF2B5EF4-FFF2-40B4-BE49-F238E27FC236}">
+                      <a16:creationId xmlns:a16="http://schemas.microsoft.com/office/drawing/2014/main" id="{45E9FF1D-9F54-4C57-B237-30C179624C55}"/>
+                    </a:ext>
+                  </a:extLst>
+                </p:cNvPr>
+                <p:cNvPicPr/>
+                <p:nvPr/>
+              </p:nvPicPr>
+              <p:blipFill>
+                <a:blip r:embed="rId37"/>
+                <a:stretch>
+                  <a:fillRect/>
+                </a:stretch>
+              </p:blipFill>
+              <p:spPr>
+                <a:xfrm>
+                  <a:off x="1629649" y="3650299"/>
+                  <a:ext cx="63360" cy="247680"/>
+                </a:xfrm>
+                <a:prstGeom prst="rect">
+                  <a:avLst/>
+                </a:prstGeom>
+              </p:spPr>
+            </p:pic>
+          </mc:Fallback>
+        </mc:AlternateContent>
+        <mc:AlternateContent xmlns:mc="http://schemas.openxmlformats.org/markup-compatibility/2006">
+          <mc:Choice xmlns:p14="http://schemas.microsoft.com/office/powerpoint/2010/main" Requires="p14">
+            <p:contentPart p14:bwMode="auto" r:id="rId38">
+              <p14:nvContentPartPr>
+                <p14:cNvPr id="24" name="Ink 23">
+                  <a:extLst>
+                    <a:ext uri="{FF2B5EF4-FFF2-40B4-BE49-F238E27FC236}">
+                      <a16:creationId xmlns:a16="http://schemas.microsoft.com/office/drawing/2014/main" id="{24905357-77A4-406A-841D-AC7F614C3D6A}"/>
+                    </a:ext>
+                  </a:extLst>
+                </p14:cNvPr>
+                <p14:cNvContentPartPr/>
+                <p14:nvPr/>
+              </p14:nvContentPartPr>
+              <p14:xfrm>
+                <a:off x="1617769" y="3633019"/>
+                <a:ext cx="75960" cy="65160"/>
+              </p14:xfrm>
+            </p:contentPart>
+          </mc:Choice>
+          <mc:Fallback>
+            <p:pic>
+              <p:nvPicPr>
+                <p:cNvPr id="24" name="Ink 23">
+                  <a:extLst>
+                    <a:ext uri="{FF2B5EF4-FFF2-40B4-BE49-F238E27FC236}">
+                      <a16:creationId xmlns:a16="http://schemas.microsoft.com/office/drawing/2014/main" id="{24905357-77A4-406A-841D-AC7F614C3D6A}"/>
+                    </a:ext>
+                  </a:extLst>
+                </p:cNvPr>
+                <p:cNvPicPr/>
+                <p:nvPr/>
+              </p:nvPicPr>
+              <p:blipFill>
+                <a:blip r:embed="rId39"/>
+                <a:stretch>
+                  <a:fillRect/>
+                </a:stretch>
+              </p:blipFill>
+              <p:spPr>
+                <a:xfrm>
+                  <a:off x="1609129" y="3624379"/>
+                  <a:ext cx="93600" cy="82800"/>
+                </a:xfrm>
+                <a:prstGeom prst="rect">
+                  <a:avLst/>
+                </a:prstGeom>
+              </p:spPr>
+            </p:pic>
+          </mc:Fallback>
+        </mc:AlternateContent>
+      </p:grpSp>
+      <mc:AlternateContent xmlns:mc="http://schemas.openxmlformats.org/markup-compatibility/2006">
+        <mc:Choice xmlns:p14="http://schemas.microsoft.com/office/powerpoint/2010/main" Requires="p14">
+          <p:contentPart p14:bwMode="auto" r:id="rId40">
+            <p14:nvContentPartPr>
+              <p14:cNvPr id="26" name="Ink 25">
+                <a:extLst>
+                  <a:ext uri="{FF2B5EF4-FFF2-40B4-BE49-F238E27FC236}">
+                    <a16:creationId xmlns:a16="http://schemas.microsoft.com/office/drawing/2014/main" id="{6D228ED7-4EC5-460E-9C31-A7A6C19501C7}"/>
+                  </a:ext>
+                </a:extLst>
+              </p14:cNvPr>
+              <p14:cNvContentPartPr/>
+              <p14:nvPr/>
+            </p14:nvContentPartPr>
+            <p14:xfrm>
+              <a:off x="2169649" y="2884219"/>
+              <a:ext cx="554760" cy="46440"/>
+            </p14:xfrm>
+          </p:contentPart>
+        </mc:Choice>
+        <mc:Fallback>
+          <p:pic>
+            <p:nvPicPr>
+              <p:cNvPr id="26" name="Ink 25">
+                <a:extLst>
+                  <a:ext uri="{FF2B5EF4-FFF2-40B4-BE49-F238E27FC236}">
+                    <a16:creationId xmlns:a16="http://schemas.microsoft.com/office/drawing/2014/main" id="{6D228ED7-4EC5-460E-9C31-A7A6C19501C7}"/>
+                  </a:ext>
+                </a:extLst>
+              </p:cNvPr>
+              <p:cNvPicPr/>
+              <p:nvPr/>
+            </p:nvPicPr>
+            <p:blipFill>
+              <a:blip r:embed="rId41"/>
+              <a:stretch>
+                <a:fillRect/>
+              </a:stretch>
+            </p:blipFill>
+            <p:spPr>
+              <a:xfrm>
+                <a:off x="2161009" y="2875219"/>
+                <a:ext cx="572400" cy="64080"/>
+              </a:xfrm>
+              <a:prstGeom prst="rect">
+                <a:avLst/>
+              </a:prstGeom>
+            </p:spPr>
+          </p:pic>
+        </mc:Fallback>
+      </mc:AlternateContent>
+      <mc:AlternateContent xmlns:mc="http://schemas.openxmlformats.org/markup-compatibility/2006">
+        <mc:Choice xmlns:p14="http://schemas.microsoft.com/office/powerpoint/2010/main" Requires="p14">
+          <p:contentPart p14:bwMode="auto" r:id="rId42">
+            <p14:nvContentPartPr>
+              <p14:cNvPr id="27" name="Ink 26">
+                <a:extLst>
+                  <a:ext uri="{FF2B5EF4-FFF2-40B4-BE49-F238E27FC236}">
+                    <a16:creationId xmlns:a16="http://schemas.microsoft.com/office/drawing/2014/main" id="{91C1FFE5-76A8-48F3-822F-1F87F4B45308}"/>
+                  </a:ext>
+                </a:extLst>
+              </p14:cNvPr>
+              <p14:cNvContentPartPr/>
+              <p14:nvPr/>
+            </p14:nvContentPartPr>
+            <p14:xfrm>
+              <a:off x="3257569" y="2932819"/>
+              <a:ext cx="725760" cy="28440"/>
+            </p14:xfrm>
+          </p:contentPart>
+        </mc:Choice>
+        <mc:Fallback>
+          <p:pic>
+            <p:nvPicPr>
+              <p:cNvPr id="27" name="Ink 26">
+                <a:extLst>
+                  <a:ext uri="{FF2B5EF4-FFF2-40B4-BE49-F238E27FC236}">
+                    <a16:creationId xmlns:a16="http://schemas.microsoft.com/office/drawing/2014/main" id="{91C1FFE5-76A8-48F3-822F-1F87F4B45308}"/>
+                  </a:ext>
+                </a:extLst>
+              </p:cNvPr>
+              <p:cNvPicPr/>
+              <p:nvPr/>
+            </p:nvPicPr>
+            <p:blipFill>
+              <a:blip r:embed="rId43"/>
+              <a:stretch>
+                <a:fillRect/>
+              </a:stretch>
+            </p:blipFill>
+            <p:spPr>
+              <a:xfrm>
+                <a:off x="3248569" y="2924179"/>
+                <a:ext cx="743400" cy="46080"/>
+              </a:xfrm>
+              <a:prstGeom prst="rect">
+                <a:avLst/>
+              </a:prstGeom>
+            </p:spPr>
+          </p:pic>
+        </mc:Fallback>
+      </mc:AlternateContent>
+      <mc:AlternateContent xmlns:mc="http://schemas.openxmlformats.org/markup-compatibility/2006">
+        <mc:Choice xmlns:p14="http://schemas.microsoft.com/office/powerpoint/2010/main" Requires="p14">
+          <p:contentPart p14:bwMode="auto" r:id="rId44">
+            <p14:nvContentPartPr>
+              <p14:cNvPr id="28" name="Ink 27">
+                <a:extLst>
+                  <a:ext uri="{FF2B5EF4-FFF2-40B4-BE49-F238E27FC236}">
+                    <a16:creationId xmlns:a16="http://schemas.microsoft.com/office/drawing/2014/main" id="{6CB8D063-7FC5-420A-97CF-21AFD5D98C5B}"/>
+                  </a:ext>
+                </a:extLst>
+              </p14:cNvPr>
+              <p14:cNvContentPartPr/>
+              <p14:nvPr/>
+            </p14:nvContentPartPr>
+            <p14:xfrm>
+              <a:off x="478729" y="2335219"/>
+              <a:ext cx="264600" cy="117360"/>
+            </p14:xfrm>
+          </p:contentPart>
+        </mc:Choice>
+        <mc:Fallback>
+          <p:pic>
+            <p:nvPicPr>
+              <p:cNvPr id="28" name="Ink 27">
+                <a:extLst>
+                  <a:ext uri="{FF2B5EF4-FFF2-40B4-BE49-F238E27FC236}">
+                    <a16:creationId xmlns:a16="http://schemas.microsoft.com/office/drawing/2014/main" id="{6CB8D063-7FC5-420A-97CF-21AFD5D98C5B}"/>
+                  </a:ext>
+                </a:extLst>
+              </p:cNvPr>
+              <p:cNvPicPr/>
+              <p:nvPr/>
+            </p:nvPicPr>
+            <p:blipFill>
+              <a:blip r:embed="rId45"/>
+              <a:stretch>
+                <a:fillRect/>
+              </a:stretch>
+            </p:blipFill>
+            <p:spPr>
+              <a:xfrm>
+                <a:off x="469729" y="2326579"/>
+                <a:ext cx="282240" cy="135000"/>
+              </a:xfrm>
+              <a:prstGeom prst="rect">
+                <a:avLst/>
+              </a:prstGeom>
+            </p:spPr>
+          </p:pic>
+        </mc:Fallback>
+      </mc:AlternateContent>
     </p:spTree>
     <p:extLst>
       <p:ext uri="{BB962C8B-B14F-4D97-AF65-F5344CB8AC3E}">
